--- a/stock_and_housing_Proj1 SL_1.14.pptx
+++ b/stock_and_housing_Proj1 SL_1.14.pptx
@@ -5,7 +5,7 @@
     <p:sldMasterId id="2147483713" r:id="rId1"/>
   </p:sldMasterIdLst>
   <p:notesMasterIdLst>
-    <p:notesMasterId r:id="rId14"/>
+    <p:notesMasterId r:id="rId15"/>
   </p:notesMasterIdLst>
   <p:sldIdLst>
     <p:sldId id="256" r:id="rId2"/>
@@ -14,12 +14,13 @@
     <p:sldId id="259" r:id="rId5"/>
     <p:sldId id="260" r:id="rId6"/>
     <p:sldId id="261" r:id="rId7"/>
-    <p:sldId id="264" r:id="rId8"/>
-    <p:sldId id="265" r:id="rId9"/>
-    <p:sldId id="266" r:id="rId10"/>
-    <p:sldId id="267" r:id="rId11"/>
-    <p:sldId id="262" r:id="rId12"/>
-    <p:sldId id="263" r:id="rId13"/>
+    <p:sldId id="268" r:id="rId8"/>
+    <p:sldId id="266" r:id="rId9"/>
+    <p:sldId id="267" r:id="rId10"/>
+    <p:sldId id="264" r:id="rId11"/>
+    <p:sldId id="265" r:id="rId12"/>
+    <p:sldId id="262" r:id="rId13"/>
+    <p:sldId id="263" r:id="rId14"/>
   </p:sldIdLst>
   <p:sldSz cx="12192000" cy="6858000"/>
   <p:notesSz cx="6858000" cy="9144000"/>
@@ -531,230 +532,6 @@
           <a:bodyPr/>
           <a:lstStyle/>
           <a:p>
-            <a:pPr marL="457200" indent="-457200">
-              <a:buClrTx/>
-              <a:buFont typeface="+mj-lt"/>
-              <a:buAutoNum type="arabicPeriod"/>
-            </a:pPr>
-            <a:r>
-              <a:rPr lang="en-US" sz="2000" dirty="0"/>
-              <a:t>Is a company’s stock price and their headquarters housing market correlated during years 2005 to 2015?</a:t>
-            </a:r>
-          </a:p>
-          <a:p>
-            <a:pPr lvl="2">
-              <a:buClrTx/>
-            </a:pPr>
-            <a:r>
-              <a:rPr lang="en-US" sz="1800" dirty="0">
-                <a:solidFill>
-                  <a:schemeClr val="tx1"/>
-                </a:solidFill>
-              </a:rPr>
-              <a:t>Data: monthly stock close price and monthly median house sold </a:t>
-            </a:r>
-            <a:r>
-              <a:rPr lang="en-US" sz="1800" dirty="0" smtClean="0">
-                <a:solidFill>
-                  <a:schemeClr val="tx1"/>
-                </a:solidFill>
-              </a:rPr>
-              <a:t>price</a:t>
-            </a:r>
-          </a:p>
-          <a:p>
-            <a:pPr lvl="2">
-              <a:buClrTx/>
-            </a:pPr>
-            <a:r>
-              <a:rPr lang="en-US" sz="1800" dirty="0" smtClean="0">
-                <a:solidFill>
-                  <a:schemeClr val="tx1"/>
-                </a:solidFill>
-              </a:rPr>
-              <a:t>Why: Could a period</a:t>
-            </a:r>
-            <a:r>
-              <a:rPr lang="en-US" sz="1800" baseline="0" dirty="0" smtClean="0">
-                <a:solidFill>
-                  <a:schemeClr val="tx1"/>
-                </a:solidFill>
-              </a:rPr>
-              <a:t> that has a high amount of fluctuation give enough representation of the two markets correlating? </a:t>
-            </a:r>
-          </a:p>
-          <a:p>
-            <a:pPr lvl="2">
-              <a:buClrTx/>
-            </a:pPr>
-            <a:r>
-              <a:rPr lang="en-US" sz="1800" baseline="0" dirty="0" smtClean="0">
-                <a:solidFill>
-                  <a:schemeClr val="tx1"/>
-                </a:solidFill>
-              </a:rPr>
-              <a:t>Answered? YES</a:t>
-            </a:r>
-            <a:endParaRPr lang="en-US" sz="1800" dirty="0">
-              <a:solidFill>
-                <a:schemeClr val="tx1"/>
-              </a:solidFill>
-            </a:endParaRPr>
-          </a:p>
-          <a:p>
-            <a:pPr marL="457200" indent="-457200">
-              <a:buClrTx/>
-              <a:buFont typeface="+mj-lt"/>
-              <a:buAutoNum type="arabicPeriod"/>
-            </a:pPr>
-            <a:r>
-              <a:rPr lang="en-US" sz="2000" dirty="0"/>
-              <a:t>Which company had the largest impact on the housing price in their </a:t>
-            </a:r>
-            <a:r>
-              <a:rPr lang="en-US" sz="2000" dirty="0" err="1"/>
-              <a:t>headquarter’s</a:t>
-            </a:r>
-            <a:r>
-              <a:rPr lang="en-US" sz="2000" dirty="0"/>
-              <a:t> city?</a:t>
-            </a:r>
-          </a:p>
-          <a:p>
-            <a:pPr lvl="2">
-              <a:buClrTx/>
-            </a:pPr>
-            <a:r>
-              <a:rPr lang="en-US" sz="1800" dirty="0">
-                <a:solidFill>
-                  <a:schemeClr val="tx1"/>
-                </a:solidFill>
-              </a:rPr>
-              <a:t>Data: Largest fold-increase in housing </a:t>
-            </a:r>
-            <a:r>
-              <a:rPr lang="en-US" sz="1800" dirty="0" smtClean="0">
-                <a:solidFill>
-                  <a:schemeClr val="tx1"/>
-                </a:solidFill>
-              </a:rPr>
-              <a:t>price</a:t>
-            </a:r>
-          </a:p>
-          <a:p>
-            <a:pPr lvl="2">
-              <a:buClrTx/>
-            </a:pPr>
-            <a:r>
-              <a:rPr lang="en-US" sz="1800" dirty="0" smtClean="0">
-                <a:solidFill>
-                  <a:schemeClr val="tx1"/>
-                </a:solidFill>
-              </a:rPr>
-              <a:t>Why: We can see</a:t>
-            </a:r>
-            <a:r>
-              <a:rPr lang="en-US" sz="1800" baseline="0" dirty="0" smtClean="0">
-                <a:solidFill>
-                  <a:schemeClr val="tx1"/>
-                </a:solidFill>
-              </a:rPr>
-              <a:t> what factors might also be at play and see if those factors correlate in future tests</a:t>
-            </a:r>
-          </a:p>
-          <a:p>
-            <a:pPr lvl="2">
-              <a:buClrTx/>
-            </a:pPr>
-            <a:r>
-              <a:rPr lang="en-US" sz="1800" baseline="0" dirty="0" smtClean="0">
-                <a:solidFill>
-                  <a:schemeClr val="tx1"/>
-                </a:solidFill>
-              </a:rPr>
-              <a:t>Answered? YES</a:t>
-            </a:r>
-            <a:endParaRPr lang="en-US" sz="1800" dirty="0">
-              <a:solidFill>
-                <a:schemeClr val="tx1"/>
-              </a:solidFill>
-            </a:endParaRPr>
-          </a:p>
-          <a:p>
-            <a:pPr marL="457200" indent="-457200">
-              <a:buClrTx/>
-              <a:buFont typeface="+mj-lt"/>
-              <a:buAutoNum type="arabicPeriod"/>
-            </a:pPr>
-            <a:r>
-              <a:rPr lang="en-US" sz="2000" dirty="0"/>
-              <a:t>What correlation can we find between our hypothesis and the sub-categories of the companies? (Tech, Finance, Retail, Other)</a:t>
-            </a:r>
-          </a:p>
-          <a:p>
-            <a:pPr lvl="2">
-              <a:buClrTx/>
-            </a:pPr>
-            <a:r>
-              <a:rPr lang="en-US" sz="1800" dirty="0">
-                <a:solidFill>
-                  <a:schemeClr val="tx1"/>
-                </a:solidFill>
-              </a:rPr>
-              <a:t>Data: Grouping stock data by industry type, average monthly close price, average housing price of each of the grouped </a:t>
-            </a:r>
-            <a:r>
-              <a:rPr lang="en-US" sz="1800" dirty="0" smtClean="0">
-                <a:solidFill>
-                  <a:schemeClr val="tx1"/>
-                </a:solidFill>
-              </a:rPr>
-              <a:t>companies</a:t>
-            </a:r>
-          </a:p>
-          <a:p>
-            <a:pPr lvl="2">
-              <a:buClrTx/>
-            </a:pPr>
-            <a:r>
-              <a:rPr lang="en-US" sz="1800" dirty="0" smtClean="0">
-                <a:solidFill>
-                  <a:schemeClr val="tx1"/>
-                </a:solidFill>
-              </a:rPr>
-              <a:t>Why: Our</a:t>
-            </a:r>
-            <a:r>
-              <a:rPr lang="en-US" sz="1800" baseline="0" dirty="0" smtClean="0">
-                <a:solidFill>
-                  <a:schemeClr val="tx1"/>
-                </a:solidFill>
-              </a:rPr>
-              <a:t> sub-categories may have a higher rate of correlation, therefore telling the larger story.</a:t>
-            </a:r>
-          </a:p>
-          <a:p>
-            <a:pPr lvl="2">
-              <a:buClrTx/>
-            </a:pPr>
-            <a:r>
-              <a:rPr lang="en-US" sz="1800" baseline="0" dirty="0" smtClean="0">
-                <a:solidFill>
-                  <a:schemeClr val="tx1"/>
-                </a:solidFill>
-              </a:rPr>
-              <a:t>Answered? YES</a:t>
-            </a:r>
-            <a:endParaRPr lang="en-US" sz="1800" dirty="0">
-              <a:solidFill>
-                <a:schemeClr val="tx1"/>
-              </a:solidFill>
-            </a:endParaRPr>
-          </a:p>
-          <a:p>
-            <a:endParaRPr lang="en-US" sz="2000" dirty="0"/>
-          </a:p>
-          <a:p>
             <a:endParaRPr lang="en-US" dirty="0"/>
           </a:p>
         </p:txBody>
@@ -776,7 +553,7 @@
           <a:p>
             <a:fld id="{EC1E1B08-83FD-4C41-8C90-393121230B80}" type="slidenum">
               <a:rPr lang="en-US" smtClean="0"/>
-              <a:t>3</a:t>
+              <a:t>2</a:t>
             </a:fld>
             <a:endParaRPr lang="en-US"/>
           </a:p>
@@ -785,7 +562,7 @@
     </p:spTree>
     <p:extLst>
       <p:ext uri="{BB962C8B-B14F-4D97-AF65-F5344CB8AC3E}">
-        <p14:creationId xmlns:p14="http://schemas.microsoft.com/office/powerpoint/2010/main" val="2390198259"/>
+        <p14:creationId xmlns:p14="http://schemas.microsoft.com/office/powerpoint/2010/main" val="1555865781"/>
       </p:ext>
     </p:extLst>
   </p:cSld>
@@ -839,123 +616,207 @@
           <a:bodyPr/>
           <a:lstStyle/>
           <a:p>
-            <a:r>
-              <a:rPr lang="en-US" dirty="0" smtClean="0"/>
-              <a:t>Notes on Mining:</a:t>
-            </a:r>
-            <a:endParaRPr lang="en-US" baseline="0" dirty="0" smtClean="0"/>
-          </a:p>
-          <a:p>
-            <a:pPr marL="228600" indent="-228600">
-              <a:buFont typeface="Arial" panose="020B0604020202020204" pitchFamily="34" charset="0"/>
-              <a:buChar char="•"/>
+            <a:pPr marL="457200" indent="-457200">
+              <a:buClrTx/>
+              <a:buFont typeface="+mj-lt"/>
+              <a:buAutoNum type="arabicPeriod"/>
             </a:pPr>
             <a:r>
-              <a:rPr lang="en-US" baseline="0" dirty="0" err="1" smtClean="0"/>
-              <a:t>Quandl</a:t>
-            </a:r>
-            <a:r>
-              <a:rPr lang="en-US" baseline="0" dirty="0" smtClean="0"/>
-              <a:t> API and Library</a:t>
-            </a:r>
-          </a:p>
-          <a:p>
-            <a:pPr marL="685800" lvl="1" indent="-228600">
-              <a:buFont typeface="Arial" panose="020B0604020202020204" pitchFamily="34" charset="0"/>
-              <a:buChar char="•"/>
+              <a:rPr lang="en-US" sz="2000" dirty="0"/>
+              <a:t>Is a company’s stock price and their headquarters housing market correlated during years 2005 to 2015?</a:t>
+            </a:r>
+          </a:p>
+          <a:p>
+            <a:pPr lvl="2">
+              <a:buClrTx/>
             </a:pPr>
             <a:r>
-              <a:rPr lang="en-US" baseline="0" dirty="0" smtClean="0"/>
-              <a:t>Gave us excess stock info:</a:t>
-            </a:r>
-          </a:p>
-          <a:p>
-            <a:pPr marL="1143000" lvl="2" indent="-228600">
-              <a:buFont typeface="Arial" panose="020B0604020202020204" pitchFamily="34" charset="0"/>
-              <a:buChar char="•"/>
+              <a:rPr lang="en-US" sz="1800" dirty="0">
+                <a:solidFill>
+                  <a:schemeClr val="tx1"/>
+                </a:solidFill>
+              </a:rPr>
+              <a:t>Data: monthly stock close price and monthly median house sold price</a:t>
+            </a:r>
+          </a:p>
+          <a:p>
+            <a:pPr lvl="2">
+              <a:buClrTx/>
             </a:pPr>
             <a:r>
-              <a:rPr lang="en-US" baseline="0" dirty="0" smtClean="0"/>
-              <a:t>Monthly High</a:t>
-            </a:r>
-          </a:p>
-          <a:p>
-            <a:pPr marL="1143000" lvl="2" indent="-228600">
-              <a:buFont typeface="Arial" panose="020B0604020202020204" pitchFamily="34" charset="0"/>
-              <a:buChar char="•"/>
+              <a:rPr lang="en-US" sz="1800" dirty="0">
+                <a:solidFill>
+                  <a:schemeClr val="tx1"/>
+                </a:solidFill>
+              </a:rPr>
+              <a:t>Why: Could a period</a:t>
+            </a:r>
+            <a:r>
+              <a:rPr lang="en-US" sz="1800" baseline="0" dirty="0">
+                <a:solidFill>
+                  <a:schemeClr val="tx1"/>
+                </a:solidFill>
+              </a:rPr>
+              <a:t> that has a high amount of fluctuation give enough representation of the two markets correlating? </a:t>
+            </a:r>
+          </a:p>
+          <a:p>
+            <a:pPr lvl="2">
+              <a:buClrTx/>
             </a:pPr>
             <a:r>
-              <a:rPr lang="en-US" baseline="0" dirty="0" smtClean="0"/>
-              <a:t>Low</a:t>
-            </a:r>
-          </a:p>
-          <a:p>
-            <a:pPr marL="1143000" lvl="2" indent="-228600">
-              <a:buFont typeface="Arial" panose="020B0604020202020204" pitchFamily="34" charset="0"/>
-              <a:buChar char="•"/>
+              <a:rPr lang="en-US" sz="1800" baseline="0" dirty="0">
+                <a:solidFill>
+                  <a:schemeClr val="tx1"/>
+                </a:solidFill>
+              </a:rPr>
+              <a:t>Answered? YES</a:t>
+            </a:r>
+            <a:endParaRPr lang="en-US" sz="1800" dirty="0">
+              <a:solidFill>
+                <a:schemeClr val="tx1"/>
+              </a:solidFill>
+            </a:endParaRPr>
+          </a:p>
+          <a:p>
+            <a:pPr marL="457200" indent="-457200">
+              <a:buClrTx/>
+              <a:buFont typeface="+mj-lt"/>
+              <a:buAutoNum type="arabicPeriod"/>
             </a:pPr>
             <a:r>
-              <a:rPr lang="en-US" baseline="0" dirty="0" smtClean="0"/>
-              <a:t>open</a:t>
-            </a:r>
-          </a:p>
-          <a:p>
-            <a:pPr marL="1143000" lvl="2" indent="-228600">
-              <a:buFont typeface="Arial" panose="020B0604020202020204" pitchFamily="34" charset="0"/>
-              <a:buChar char="•"/>
+              <a:rPr lang="en-US" sz="2000" dirty="0"/>
+              <a:t>Which company had the largest impact on the housing price in their </a:t>
+            </a:r>
+            <a:r>
+              <a:rPr lang="en-US" sz="2000" dirty="0" err="1"/>
+              <a:t>headquarter’s</a:t>
+            </a:r>
+            <a:r>
+              <a:rPr lang="en-US" sz="2000" dirty="0"/>
+              <a:t> city?</a:t>
+            </a:r>
+          </a:p>
+          <a:p>
+            <a:pPr lvl="2">
+              <a:buClrTx/>
             </a:pPr>
             <a:r>
-              <a:rPr lang="en-US" baseline="0" dirty="0" smtClean="0"/>
-              <a:t>Close</a:t>
-            </a:r>
-          </a:p>
-          <a:p>
-            <a:pPr marL="1143000" lvl="2" indent="-228600">
-              <a:buFont typeface="Arial" panose="020B0604020202020204" pitchFamily="34" charset="0"/>
-              <a:buChar char="•"/>
+              <a:rPr lang="en-US" sz="1800" dirty="0">
+                <a:solidFill>
+                  <a:schemeClr val="tx1"/>
+                </a:solidFill>
+              </a:rPr>
+              <a:t>Data: Largest fold-increase in housing price</a:t>
+            </a:r>
+          </a:p>
+          <a:p>
+            <a:pPr lvl="2">
+              <a:buClrTx/>
             </a:pPr>
             <a:r>
-              <a:rPr lang="en-US" baseline="0" dirty="0" smtClean="0"/>
-              <a:t>Split</a:t>
-            </a:r>
-          </a:p>
-          <a:p>
-            <a:pPr marL="1143000" lvl="2" indent="-228600">
-              <a:buFont typeface="Arial" panose="020B0604020202020204" pitchFamily="34" charset="0"/>
-              <a:buChar char="•"/>
+              <a:rPr lang="en-US" sz="1800" dirty="0">
+                <a:solidFill>
+                  <a:schemeClr val="tx1"/>
+                </a:solidFill>
+              </a:rPr>
+              <a:t>Why: We can see</a:t>
+            </a:r>
+            <a:r>
+              <a:rPr lang="en-US" sz="1800" baseline="0" dirty="0">
+                <a:solidFill>
+                  <a:schemeClr val="tx1"/>
+                </a:solidFill>
+              </a:rPr>
+              <a:t> what factors might also be at play and see if those factors correlate in future tests</a:t>
+            </a:r>
+          </a:p>
+          <a:p>
+            <a:pPr lvl="2">
+              <a:buClrTx/>
             </a:pPr>
             <a:r>
-              <a:rPr lang="en-US" baseline="0" dirty="0" smtClean="0"/>
-              <a:t>Adjusted stock info</a:t>
-            </a:r>
-          </a:p>
-          <a:p>
-            <a:pPr marL="685800" lvl="1" indent="-228600">
-              <a:buFont typeface="Arial" panose="020B0604020202020204" pitchFamily="34" charset="0"/>
-              <a:buChar char="•"/>
+              <a:rPr lang="en-US" sz="1800" baseline="0" dirty="0">
+                <a:solidFill>
+                  <a:schemeClr val="tx1"/>
+                </a:solidFill>
+              </a:rPr>
+              <a:t>Answered? YES</a:t>
+            </a:r>
+            <a:endParaRPr lang="en-US" sz="1800" dirty="0">
+              <a:solidFill>
+                <a:schemeClr val="tx1"/>
+              </a:solidFill>
+            </a:endParaRPr>
+          </a:p>
+          <a:p>
+            <a:pPr marL="457200" indent="-457200">
+              <a:buClrTx/>
+              <a:buFont typeface="+mj-lt"/>
+              <a:buAutoNum type="arabicPeriod"/>
             </a:pPr>
             <a:r>
-              <a:rPr lang="en-US" baseline="0" dirty="0" smtClean="0"/>
-              <a:t>Zillow/</a:t>
-            </a:r>
-            <a:r>
-              <a:rPr lang="en-US" baseline="0" dirty="0" err="1" smtClean="0"/>
-              <a:t>Quandl</a:t>
-            </a:r>
-            <a:r>
-              <a:rPr lang="en-US" baseline="0" dirty="0" smtClean="0"/>
-              <a:t> for Housing</a:t>
-            </a:r>
-          </a:p>
-          <a:p>
-            <a:pPr marL="1143000" lvl="2" indent="-228600">
-              <a:buFont typeface="Arial" panose="020B0604020202020204" pitchFamily="34" charset="0"/>
-              <a:buChar char="•"/>
+              <a:rPr lang="en-US" sz="2000" dirty="0"/>
+              <a:t>What correlation can we find between our hypothesis and the sub-categories of the companies? (Tech, Finance, Retail, Other)</a:t>
+            </a:r>
+          </a:p>
+          <a:p>
+            <a:pPr lvl="2">
+              <a:buClrTx/>
             </a:pPr>
             <a:r>
-              <a:rPr lang="en-US" baseline="0" dirty="0" smtClean="0"/>
-              <a:t>Data came fully clean and correct</a:t>
-            </a:r>
+              <a:rPr lang="en-US" sz="1800" dirty="0">
+                <a:solidFill>
+                  <a:schemeClr val="tx1"/>
+                </a:solidFill>
+              </a:rPr>
+              <a:t>Data: Grouping stock data by industry type, average monthly close price, average housing price of each of the grouped companies</a:t>
+            </a:r>
+          </a:p>
+          <a:p>
+            <a:pPr lvl="2">
+              <a:buClrTx/>
+            </a:pPr>
+            <a:r>
+              <a:rPr lang="en-US" sz="1800" dirty="0">
+                <a:solidFill>
+                  <a:schemeClr val="tx1"/>
+                </a:solidFill>
+              </a:rPr>
+              <a:t>Why: Our</a:t>
+            </a:r>
+            <a:r>
+              <a:rPr lang="en-US" sz="1800" baseline="0" dirty="0">
+                <a:solidFill>
+                  <a:schemeClr val="tx1"/>
+                </a:solidFill>
+              </a:rPr>
+              <a:t> sub-categories may have a higher rate of correlation, therefore telling the larger story.</a:t>
+            </a:r>
+          </a:p>
+          <a:p>
+            <a:pPr lvl="2">
+              <a:buClrTx/>
+            </a:pPr>
+            <a:r>
+              <a:rPr lang="en-US" sz="1800" baseline="0" dirty="0">
+                <a:solidFill>
+                  <a:schemeClr val="tx1"/>
+                </a:solidFill>
+              </a:rPr>
+              <a:t>Answered? YES</a:t>
+            </a:r>
+            <a:endParaRPr lang="en-US" sz="1800" dirty="0">
+              <a:solidFill>
+                <a:schemeClr val="tx1"/>
+              </a:solidFill>
+            </a:endParaRPr>
+          </a:p>
+          <a:p>
+            <a:endParaRPr lang="en-US" sz="2000" dirty="0"/>
+          </a:p>
+          <a:p>
+            <a:endParaRPr lang="en-US" dirty="0"/>
           </a:p>
         </p:txBody>
       </p:sp>
@@ -966,7 +827,7 @@
             <a:spLocks noGrp="1"/>
           </p:cNvSpPr>
           <p:nvPr>
-            <p:ph type="sldNum" sz="quarter" idx="10"/>
+            <p:ph type="sldNum" sz="quarter" idx="5"/>
           </p:nvPr>
         </p:nvSpPr>
         <p:spPr/>
@@ -976,7 +837,7 @@
           <a:p>
             <a:fld id="{EC1E1B08-83FD-4C41-8C90-393121230B80}" type="slidenum">
               <a:rPr lang="en-US" smtClean="0"/>
-              <a:t>4</a:t>
+              <a:t>3</a:t>
             </a:fld>
             <a:endParaRPr lang="en-US"/>
           </a:p>
@@ -985,7 +846,7 @@
     </p:spTree>
     <p:extLst>
       <p:ext uri="{BB962C8B-B14F-4D97-AF65-F5344CB8AC3E}">
-        <p14:creationId xmlns:p14="http://schemas.microsoft.com/office/powerpoint/2010/main" val="368385575"/>
+        <p14:creationId xmlns:p14="http://schemas.microsoft.com/office/powerpoint/2010/main" val="2390198259"/>
       </p:ext>
     </p:extLst>
   </p:cSld>
@@ -1041,11 +902,121 @@
           <a:p>
             <a:r>
               <a:rPr lang="en-US" dirty="0"/>
-              <a:t>From 300k to 2.5million</a:t>
-            </a:r>
-          </a:p>
-          <a:p>
-            <a:endParaRPr lang="en-US" dirty="0"/>
+              <a:t>Notes on Mining:</a:t>
+            </a:r>
+            <a:endParaRPr lang="en-US" baseline="0" dirty="0"/>
+          </a:p>
+          <a:p>
+            <a:pPr marL="228600" indent="-228600">
+              <a:buFont typeface="Arial" panose="020B0604020202020204" pitchFamily="34" charset="0"/>
+              <a:buChar char="•"/>
+            </a:pPr>
+            <a:r>
+              <a:rPr lang="en-US" baseline="0" dirty="0" err="1"/>
+              <a:t>Quandl</a:t>
+            </a:r>
+            <a:r>
+              <a:rPr lang="en-US" baseline="0" dirty="0"/>
+              <a:t> API and Library</a:t>
+            </a:r>
+          </a:p>
+          <a:p>
+            <a:pPr marL="685800" lvl="1" indent="-228600">
+              <a:buFont typeface="Arial" panose="020B0604020202020204" pitchFamily="34" charset="0"/>
+              <a:buChar char="•"/>
+            </a:pPr>
+            <a:r>
+              <a:rPr lang="en-US" baseline="0" dirty="0"/>
+              <a:t>Gave us excess stock info:</a:t>
+            </a:r>
+          </a:p>
+          <a:p>
+            <a:pPr marL="1143000" lvl="2" indent="-228600">
+              <a:buFont typeface="Arial" panose="020B0604020202020204" pitchFamily="34" charset="0"/>
+              <a:buChar char="•"/>
+            </a:pPr>
+            <a:r>
+              <a:rPr lang="en-US" baseline="0" dirty="0"/>
+              <a:t>Monthly High</a:t>
+            </a:r>
+          </a:p>
+          <a:p>
+            <a:pPr marL="1143000" lvl="2" indent="-228600">
+              <a:buFont typeface="Arial" panose="020B0604020202020204" pitchFamily="34" charset="0"/>
+              <a:buChar char="•"/>
+            </a:pPr>
+            <a:r>
+              <a:rPr lang="en-US" baseline="0" dirty="0"/>
+              <a:t>Low</a:t>
+            </a:r>
+          </a:p>
+          <a:p>
+            <a:pPr marL="1143000" lvl="2" indent="-228600">
+              <a:buFont typeface="Arial" panose="020B0604020202020204" pitchFamily="34" charset="0"/>
+              <a:buChar char="•"/>
+            </a:pPr>
+            <a:r>
+              <a:rPr lang="en-US" baseline="0" dirty="0"/>
+              <a:t>open</a:t>
+            </a:r>
+          </a:p>
+          <a:p>
+            <a:pPr marL="1143000" lvl="2" indent="-228600">
+              <a:buFont typeface="Arial" panose="020B0604020202020204" pitchFamily="34" charset="0"/>
+              <a:buChar char="•"/>
+            </a:pPr>
+            <a:r>
+              <a:rPr lang="en-US" baseline="0" dirty="0"/>
+              <a:t>Close</a:t>
+            </a:r>
+          </a:p>
+          <a:p>
+            <a:pPr marL="1143000" lvl="2" indent="-228600">
+              <a:buFont typeface="Arial" panose="020B0604020202020204" pitchFamily="34" charset="0"/>
+              <a:buChar char="•"/>
+            </a:pPr>
+            <a:r>
+              <a:rPr lang="en-US" baseline="0" dirty="0"/>
+              <a:t>Split</a:t>
+            </a:r>
+          </a:p>
+          <a:p>
+            <a:pPr marL="1143000" lvl="2" indent="-228600">
+              <a:buFont typeface="Arial" panose="020B0604020202020204" pitchFamily="34" charset="0"/>
+              <a:buChar char="•"/>
+            </a:pPr>
+            <a:r>
+              <a:rPr lang="en-US" baseline="0" dirty="0"/>
+              <a:t>Adjusted stock info</a:t>
+            </a:r>
+          </a:p>
+          <a:p>
+            <a:pPr marL="685800" lvl="1" indent="-228600">
+              <a:buFont typeface="Arial" panose="020B0604020202020204" pitchFamily="34" charset="0"/>
+              <a:buChar char="•"/>
+            </a:pPr>
+            <a:r>
+              <a:rPr lang="en-US" baseline="0" dirty="0"/>
+              <a:t>Zillow/</a:t>
+            </a:r>
+            <a:r>
+              <a:rPr lang="en-US" baseline="0" dirty="0" err="1"/>
+              <a:t>Quandl</a:t>
+            </a:r>
+            <a:r>
+              <a:rPr lang="en-US" baseline="0" dirty="0"/>
+              <a:t> for Housing</a:t>
+            </a:r>
+          </a:p>
+          <a:p>
+            <a:pPr marL="1143000" lvl="2" indent="-228600">
+              <a:buFont typeface="Arial" panose="020B0604020202020204" pitchFamily="34" charset="0"/>
+              <a:buChar char="•"/>
+            </a:pPr>
+            <a:r>
+              <a:rPr lang="en-US" baseline="0" dirty="0"/>
+              <a:t>Data came fully clean and correct</a:t>
+            </a:r>
           </a:p>
         </p:txBody>
       </p:sp>
@@ -1056,7 +1027,7 @@
             <a:spLocks noGrp="1"/>
           </p:cNvSpPr>
           <p:nvPr>
-            <p:ph type="sldNum" sz="quarter" idx="5"/>
+            <p:ph type="sldNum" sz="quarter" idx="10"/>
           </p:nvPr>
         </p:nvSpPr>
         <p:spPr/>
@@ -1066,7 +1037,7 @@
           <a:p>
             <a:fld id="{EC1E1B08-83FD-4C41-8C90-393121230B80}" type="slidenum">
               <a:rPr lang="en-US" smtClean="0"/>
-              <a:t>5</a:t>
+              <a:t>4</a:t>
             </a:fld>
             <a:endParaRPr lang="en-US"/>
           </a:p>
@@ -1075,7 +1046,7 @@
     </p:spTree>
     <p:extLst>
       <p:ext uri="{BB962C8B-B14F-4D97-AF65-F5344CB8AC3E}">
-        <p14:creationId xmlns:p14="http://schemas.microsoft.com/office/powerpoint/2010/main" val="827051907"/>
+        <p14:creationId xmlns:p14="http://schemas.microsoft.com/office/powerpoint/2010/main" val="368385575"/>
       </p:ext>
     </p:extLst>
   </p:cSld>
@@ -1129,79 +1100,12 @@
           <a:bodyPr/>
           <a:lstStyle/>
           <a:p>
-            <a:pPr marL="457200" indent="-457200">
-              <a:buClrTx/>
-              <a:buFont typeface="+mj-lt"/>
-              <a:buAutoNum type="arabicPeriod"/>
-            </a:pPr>
-            <a:r>
-              <a:rPr lang="en-US" sz="1200" dirty="0" smtClean="0"/>
-              <a:t>Is a company’s stock price and their headquarters housing market correlated during years 2005 to 2015?</a:t>
-            </a:r>
-          </a:p>
-          <a:p>
-            <a:pPr marL="457200" indent="-457200">
-              <a:buClrTx/>
-              <a:buFont typeface="+mj-lt"/>
-              <a:buAutoNum type="arabicPeriod"/>
-            </a:pPr>
-            <a:r>
-              <a:rPr lang="en-US" sz="1200" dirty="0" smtClean="0"/>
-              <a:t>Which company had the largest impact on the housing price in their </a:t>
-            </a:r>
-            <a:r>
-              <a:rPr lang="en-US" sz="1200" dirty="0" err="1" smtClean="0"/>
-              <a:t>headquarter’s</a:t>
-            </a:r>
-            <a:r>
-              <a:rPr lang="en-US" sz="1200" dirty="0" smtClean="0"/>
-              <a:t> city?</a:t>
-            </a:r>
-          </a:p>
-          <a:p>
-            <a:pPr marL="457200" indent="-457200">
-              <a:buClrTx/>
-              <a:buFont typeface="+mj-lt"/>
-              <a:buAutoNum type="arabicPeriod"/>
-            </a:pPr>
-            <a:r>
-              <a:rPr lang="en-US" sz="1200" dirty="0" smtClean="0"/>
-              <a:t>What correlation can we find between our hypothesis and the sub-categories of the companies? (Tech, Finance, Retail, Other)</a:t>
-            </a:r>
-          </a:p>
-          <a:p>
-            <a:r>
-              <a:rPr lang="en-US" sz="1200" dirty="0" smtClean="0"/>
-              <a:t>Other difficulties:</a:t>
-            </a:r>
-          </a:p>
-          <a:p>
-            <a:pPr marL="171450" indent="-171450">
-              <a:buFontTx/>
-              <a:buChar char="-"/>
-            </a:pPr>
-            <a:r>
-              <a:rPr lang="en-US" sz="1200" dirty="0" smtClean="0"/>
-              <a:t>Dealing with Split stocks</a:t>
-            </a:r>
-          </a:p>
-          <a:p>
-            <a:pPr marL="171450" indent="-171450">
-              <a:buFontTx/>
-              <a:buChar char="-"/>
-            </a:pPr>
-            <a:r>
-              <a:rPr lang="en-US" sz="1200" dirty="0" smtClean="0"/>
-              <a:t>Housing Data </a:t>
-            </a:r>
-            <a:r>
-              <a:rPr lang="en-US" sz="1200" smtClean="0"/>
-              <a:t>issues arose</a:t>
-            </a:r>
-            <a:r>
-              <a:rPr lang="en-US" sz="1200" baseline="0" smtClean="0"/>
-              <a:t> from </a:t>
-            </a:r>
+            <a:r>
+              <a:rPr lang="en-US" dirty="0"/>
+              <a:t>From 300k to 2.5million</a:t>
+            </a:r>
+          </a:p>
+          <a:p>
             <a:endParaRPr lang="en-US" dirty="0"/>
           </a:p>
         </p:txBody>
@@ -1213,7 +1117,7 @@
             <a:spLocks noGrp="1"/>
           </p:cNvSpPr>
           <p:nvPr>
-            <p:ph type="sldNum" sz="quarter" idx="10"/>
+            <p:ph type="sldNum" sz="quarter" idx="5"/>
           </p:nvPr>
         </p:nvSpPr>
         <p:spPr/>
@@ -1223,7 +1127,7 @@
           <a:p>
             <a:fld id="{EC1E1B08-83FD-4C41-8C90-393121230B80}" type="slidenum">
               <a:rPr lang="en-US" smtClean="0"/>
-              <a:t>11</a:t>
+              <a:t>5</a:t>
             </a:fld>
             <a:endParaRPr lang="en-US"/>
           </a:p>
@@ -1232,7 +1136,7 @@
     </p:spTree>
     <p:extLst>
       <p:ext uri="{BB962C8B-B14F-4D97-AF65-F5344CB8AC3E}">
-        <p14:creationId xmlns:p14="http://schemas.microsoft.com/office/powerpoint/2010/main" val="3810631207"/>
+        <p14:creationId xmlns:p14="http://schemas.microsoft.com/office/powerpoint/2010/main" val="827051907"/>
       </p:ext>
     </p:extLst>
   </p:cSld>
@@ -1286,73 +1190,163 @@
           <a:bodyPr/>
           <a:lstStyle/>
           <a:p>
-            <a:r>
-              <a:rPr lang="en-US" dirty="0" smtClean="0"/>
-              <a:t>Low Median Household income has the largest impact on correlation</a:t>
-            </a:r>
-          </a:p>
-          <a:p>
-            <a:pPr lvl="1"/>
-            <a:r>
-              <a:rPr lang="en-US" dirty="0" smtClean="0"/>
-              <a:t>If the city has a low household income, a companies success determines the economic value of the city</a:t>
-            </a:r>
-          </a:p>
-          <a:p>
-            <a:r>
-              <a:rPr lang="en-US" dirty="0" smtClean="0"/>
-              <a:t>City Population affects the correlation of stock and housing, but not to the extent of Household income</a:t>
-            </a:r>
-          </a:p>
-          <a:p>
-            <a:pPr lvl="1"/>
-            <a:r>
-              <a:rPr lang="en-US" dirty="0" smtClean="0"/>
-              <a:t>High population shows a lower correlation factor, but to only a degree of effectiveness – NYC is an exception due to the difference in population to other samples</a:t>
-            </a:r>
-          </a:p>
-          <a:p>
-            <a:r>
-              <a:rPr lang="en-US" dirty="0" smtClean="0"/>
-              <a:t>Industry Type has an effect on correlation</a:t>
-            </a:r>
-          </a:p>
-          <a:p>
-            <a:pPr lvl="1"/>
-            <a:r>
-              <a:rPr lang="en-US" dirty="0" smtClean="0"/>
-              <a:t>Financial and Tech organizations tend to have a higher correlating factor than</a:t>
-            </a:r>
-          </a:p>
-          <a:p>
-            <a:pPr lvl="1"/>
-            <a:r>
-              <a:rPr lang="en-US" dirty="0" smtClean="0"/>
-              <a:t>Headquarters may have higher percentage of company population</a:t>
-            </a:r>
-          </a:p>
-          <a:p>
-            <a:pPr lvl="2"/>
-            <a:r>
-              <a:rPr lang="en-US" dirty="0" smtClean="0"/>
-              <a:t>Financial: Office environment for large population of company</a:t>
-            </a:r>
-          </a:p>
-          <a:p>
-            <a:pPr lvl="2"/>
-            <a:r>
-              <a:rPr lang="en-US" dirty="0" smtClean="0"/>
-              <a:t>Tech: Large headquarters as part of company culture</a:t>
-            </a:r>
-          </a:p>
-          <a:p>
-            <a:pPr lvl="3"/>
-            <a:r>
-              <a:rPr lang="en-US" dirty="0" smtClean="0"/>
-              <a:t>Also pays higher on average, so does not support hypothesis</a:t>
-            </a:r>
-          </a:p>
-          <a:p>
+            <a:endParaRPr lang="en-US" dirty="0"/>
+          </a:p>
+        </p:txBody>
+      </p:sp>
+      <p:sp>
+        <p:nvSpPr>
+          <p:cNvPr id="4" name="Slide Number Placeholder 3"/>
+          <p:cNvSpPr>
+            <a:spLocks noGrp="1"/>
+          </p:cNvSpPr>
+          <p:nvPr>
+            <p:ph type="sldNum" sz="quarter" idx="5"/>
+          </p:nvPr>
+        </p:nvSpPr>
+        <p:spPr/>
+        <p:txBody>
+          <a:bodyPr/>
+          <a:lstStyle/>
+          <a:p>
+            <a:fld id="{EC1E1B08-83FD-4C41-8C90-393121230B80}" type="slidenum">
+              <a:rPr lang="en-US" smtClean="0"/>
+              <a:t>11</a:t>
+            </a:fld>
+            <a:endParaRPr lang="en-US"/>
+          </a:p>
+        </p:txBody>
+      </p:sp>
+    </p:spTree>
+    <p:extLst>
+      <p:ext uri="{BB962C8B-B14F-4D97-AF65-F5344CB8AC3E}">
+        <p14:creationId xmlns:p14="http://schemas.microsoft.com/office/powerpoint/2010/main" val="811376455"/>
+      </p:ext>
+    </p:extLst>
+  </p:cSld>
+  <p:clrMapOvr>
+    <a:masterClrMapping/>
+  </p:clrMapOvr>
+</p:notes>
+</file>
+
+<file path=ppt/notesSlides/notesSlide6.xml><?xml version="1.0" encoding="utf-8"?>
+<p:notes xmlns:a="http://schemas.openxmlformats.org/drawingml/2006/main" xmlns:r="http://schemas.openxmlformats.org/officeDocument/2006/relationships" xmlns:p="http://schemas.openxmlformats.org/presentationml/2006/main">
+  <p:cSld>
+    <p:spTree>
+      <p:nvGrpSpPr>
+        <p:cNvPr id="1" name=""/>
+        <p:cNvGrpSpPr/>
+        <p:nvPr/>
+      </p:nvGrpSpPr>
+      <p:grpSpPr>
+        <a:xfrm>
+          <a:off x="0" y="0"/>
+          <a:ext cx="0" cy="0"/>
+          <a:chOff x="0" y="0"/>
+          <a:chExt cx="0" cy="0"/>
+        </a:xfrm>
+      </p:grpSpPr>
+      <p:sp>
+        <p:nvSpPr>
+          <p:cNvPr id="2" name="Slide Image Placeholder 1"/>
+          <p:cNvSpPr>
+            <a:spLocks noGrp="1" noRot="1" noChangeAspect="1"/>
+          </p:cNvSpPr>
+          <p:nvPr>
+            <p:ph type="sldImg"/>
+          </p:nvPr>
+        </p:nvSpPr>
+        <p:spPr/>
+      </p:sp>
+      <p:sp>
+        <p:nvSpPr>
+          <p:cNvPr id="3" name="Notes Placeholder 2"/>
+          <p:cNvSpPr>
+            <a:spLocks noGrp="1"/>
+          </p:cNvSpPr>
+          <p:nvPr>
+            <p:ph type="body" idx="1"/>
+          </p:nvPr>
+        </p:nvSpPr>
+        <p:spPr/>
+        <p:txBody>
+          <a:bodyPr/>
+          <a:lstStyle/>
+          <a:p>
+            <a:pPr marL="457200" indent="-457200">
+              <a:buClrTx/>
+              <a:buFont typeface="+mj-lt"/>
+              <a:buAutoNum type="arabicPeriod"/>
+            </a:pPr>
+            <a:r>
+              <a:rPr lang="en-US" sz="1200" dirty="0"/>
+              <a:t>Is a company’s stock price and their headquarters housing market correlated during years 2005 to 2015?</a:t>
+            </a:r>
+          </a:p>
+          <a:p>
+            <a:pPr marL="457200" indent="-457200">
+              <a:buClrTx/>
+              <a:buFont typeface="+mj-lt"/>
+              <a:buAutoNum type="arabicPeriod"/>
+            </a:pPr>
+            <a:r>
+              <a:rPr lang="en-US" sz="1200" dirty="0"/>
+              <a:t>Which company had the largest impact on the housing price in their </a:t>
+            </a:r>
+            <a:r>
+              <a:rPr lang="en-US" sz="1200" dirty="0" err="1"/>
+              <a:t>headquarter’s</a:t>
+            </a:r>
+            <a:r>
+              <a:rPr lang="en-US" sz="1200" dirty="0"/>
+              <a:t> city?</a:t>
+            </a:r>
+          </a:p>
+          <a:p>
+            <a:pPr marL="457200" indent="-457200">
+              <a:buClrTx/>
+              <a:buFont typeface="+mj-lt"/>
+              <a:buAutoNum type="arabicPeriod"/>
+            </a:pPr>
+            <a:r>
+              <a:rPr lang="en-US" sz="1200" dirty="0"/>
+              <a:t>What correlation can we find between our hypothesis and the sub-categories of the companies? (Tech, Finance, Retail, Other)</a:t>
+            </a:r>
+          </a:p>
+          <a:p>
+            <a:r>
+              <a:rPr lang="en-US" sz="1200" dirty="0"/>
+              <a:t>Other difficulties:</a:t>
+            </a:r>
+          </a:p>
+          <a:p>
+            <a:pPr marL="171450" indent="-171450">
+              <a:buFontTx/>
+              <a:buChar char="-"/>
+            </a:pPr>
+            <a:r>
+              <a:rPr lang="en-US" sz="1200" dirty="0"/>
+              <a:t>Dealing with Split stocks</a:t>
+            </a:r>
+          </a:p>
+          <a:p>
+            <a:pPr marL="171450" indent="-171450">
+              <a:buFontTx/>
+              <a:buChar char="-"/>
+            </a:pPr>
+            <a:r>
+              <a:rPr lang="en-US" sz="1200" dirty="0"/>
+              <a:t>Housing Data </a:t>
+            </a:r>
+            <a:r>
+              <a:rPr lang="en-US" sz="1200"/>
+              <a:t>issues arose</a:t>
+            </a:r>
+            <a:r>
+              <a:rPr lang="en-US" sz="1200" baseline="0"/>
+              <a:t> from </a:t>
+            </a:r>
             <a:endParaRPr lang="en-US" dirty="0"/>
           </a:p>
         </p:txBody>
@@ -1375,6 +1369,157 @@
             <a:fld id="{EC1E1B08-83FD-4C41-8C90-393121230B80}" type="slidenum">
               <a:rPr lang="en-US" smtClean="0"/>
               <a:t>12</a:t>
+            </a:fld>
+            <a:endParaRPr lang="en-US"/>
+          </a:p>
+        </p:txBody>
+      </p:sp>
+    </p:spTree>
+    <p:extLst>
+      <p:ext uri="{BB962C8B-B14F-4D97-AF65-F5344CB8AC3E}">
+        <p14:creationId xmlns:p14="http://schemas.microsoft.com/office/powerpoint/2010/main" val="3810631207"/>
+      </p:ext>
+    </p:extLst>
+  </p:cSld>
+  <p:clrMapOvr>
+    <a:masterClrMapping/>
+  </p:clrMapOvr>
+</p:notes>
+</file>
+
+<file path=ppt/notesSlides/notesSlide7.xml><?xml version="1.0" encoding="utf-8"?>
+<p:notes xmlns:a="http://schemas.openxmlformats.org/drawingml/2006/main" xmlns:r="http://schemas.openxmlformats.org/officeDocument/2006/relationships" xmlns:p="http://schemas.openxmlformats.org/presentationml/2006/main">
+  <p:cSld>
+    <p:spTree>
+      <p:nvGrpSpPr>
+        <p:cNvPr id="1" name=""/>
+        <p:cNvGrpSpPr/>
+        <p:nvPr/>
+      </p:nvGrpSpPr>
+      <p:grpSpPr>
+        <a:xfrm>
+          <a:off x="0" y="0"/>
+          <a:ext cx="0" cy="0"/>
+          <a:chOff x="0" y="0"/>
+          <a:chExt cx="0" cy="0"/>
+        </a:xfrm>
+      </p:grpSpPr>
+      <p:sp>
+        <p:nvSpPr>
+          <p:cNvPr id="2" name="Slide Image Placeholder 1"/>
+          <p:cNvSpPr>
+            <a:spLocks noGrp="1" noRot="1" noChangeAspect="1"/>
+          </p:cNvSpPr>
+          <p:nvPr>
+            <p:ph type="sldImg"/>
+          </p:nvPr>
+        </p:nvSpPr>
+        <p:spPr/>
+      </p:sp>
+      <p:sp>
+        <p:nvSpPr>
+          <p:cNvPr id="3" name="Notes Placeholder 2"/>
+          <p:cNvSpPr>
+            <a:spLocks noGrp="1"/>
+          </p:cNvSpPr>
+          <p:nvPr>
+            <p:ph type="body" idx="1"/>
+          </p:nvPr>
+        </p:nvSpPr>
+        <p:spPr/>
+        <p:txBody>
+          <a:bodyPr/>
+          <a:lstStyle/>
+          <a:p>
+            <a:r>
+              <a:rPr lang="en-US" dirty="0"/>
+              <a:t>Low Median Household income has the largest impact on correlation</a:t>
+            </a:r>
+          </a:p>
+          <a:p>
+            <a:pPr lvl="1"/>
+            <a:r>
+              <a:rPr lang="en-US" dirty="0"/>
+              <a:t>If the city has a low household income, a companies success determines the economic value of the city</a:t>
+            </a:r>
+          </a:p>
+          <a:p>
+            <a:r>
+              <a:rPr lang="en-US" dirty="0"/>
+              <a:t>City Population affects the correlation of stock and housing, but not to the extent of Household income</a:t>
+            </a:r>
+          </a:p>
+          <a:p>
+            <a:pPr lvl="1"/>
+            <a:r>
+              <a:rPr lang="en-US" dirty="0"/>
+              <a:t>High population shows a lower correlation factor, but to only a degree of effectiveness – NYC is an exception due to the difference in population to other samples</a:t>
+            </a:r>
+          </a:p>
+          <a:p>
+            <a:r>
+              <a:rPr lang="en-US" dirty="0"/>
+              <a:t>Industry Type has an effect on correlation</a:t>
+            </a:r>
+          </a:p>
+          <a:p>
+            <a:pPr lvl="1"/>
+            <a:r>
+              <a:rPr lang="en-US" dirty="0"/>
+              <a:t>Financial and Tech organizations tend to have a higher correlating factor than</a:t>
+            </a:r>
+          </a:p>
+          <a:p>
+            <a:pPr lvl="1"/>
+            <a:r>
+              <a:rPr lang="en-US" dirty="0"/>
+              <a:t>Headquarters may have higher percentage of company population</a:t>
+            </a:r>
+          </a:p>
+          <a:p>
+            <a:pPr lvl="2"/>
+            <a:r>
+              <a:rPr lang="en-US" dirty="0"/>
+              <a:t>Financial: Office environment for large population of company</a:t>
+            </a:r>
+          </a:p>
+          <a:p>
+            <a:pPr lvl="2"/>
+            <a:r>
+              <a:rPr lang="en-US" dirty="0"/>
+              <a:t>Tech: Large headquarters as part of company culture</a:t>
+            </a:r>
+          </a:p>
+          <a:p>
+            <a:pPr lvl="3"/>
+            <a:r>
+              <a:rPr lang="en-US" dirty="0"/>
+              <a:t>Also pays higher on average, so does not support hypothesis</a:t>
+            </a:r>
+          </a:p>
+          <a:p>
+            <a:endParaRPr lang="en-US" dirty="0"/>
+          </a:p>
+        </p:txBody>
+      </p:sp>
+      <p:sp>
+        <p:nvSpPr>
+          <p:cNvPr id="4" name="Slide Number Placeholder 3"/>
+          <p:cNvSpPr>
+            <a:spLocks noGrp="1"/>
+          </p:cNvSpPr>
+          <p:nvPr>
+            <p:ph type="sldNum" sz="quarter" idx="10"/>
+          </p:nvPr>
+        </p:nvSpPr>
+        <p:spPr/>
+        <p:txBody>
+          <a:bodyPr/>
+          <a:lstStyle/>
+          <a:p>
+            <a:fld id="{EC1E1B08-83FD-4C41-8C90-393121230B80}" type="slidenum">
+              <a:rPr lang="en-US" smtClean="0"/>
+              <a:t>13</a:t>
             </a:fld>
             <a:endParaRPr lang="en-US"/>
           </a:p>
@@ -4753,7 +4898,7 @@
           <p:cNvPr id="2" name="Title 1">
             <a:extLst>
               <a:ext uri="{FF2B5EF4-FFF2-40B4-BE49-F238E27FC236}">
-                <a16:creationId xmlns:a16="http://schemas.microsoft.com/office/drawing/2014/main" xmlns="" id="{5F63B730-7037-497F-B09A-70B7F0FFEA0E}"/>
+                <a16:creationId xmlns:a16="http://schemas.microsoft.com/office/drawing/2014/main" id="{5F63B730-7037-497F-B09A-70B7F0FFEA0E}"/>
               </a:ext>
             </a:extLst>
           </p:cNvPr>
@@ -4766,7 +4911,7 @@
         </p:nvSpPr>
         <p:spPr>
           <a:xfrm>
-            <a:off x="1261872" y="-11067"/>
+            <a:off x="1261872" y="-203571"/>
             <a:ext cx="10277458" cy="3499702"/>
           </a:xfrm>
         </p:spPr>
@@ -4786,17 +4931,9 @@
               </a:rPr>
               <a:t>Stocks and Housing: How Local Can We Get?</a:t>
             </a:r>
-            <a:r>
-              <a:rPr lang="en-US" sz="6000" dirty="0"/>
-              <a:t/>
-            </a:r>
             <a:br>
               <a:rPr lang="en-US" sz="6000" dirty="0"/>
             </a:br>
-            <a:r>
-              <a:rPr lang="en-US" sz="6000" dirty="0"/>
-              <a:t/>
-            </a:r>
             <a:br>
               <a:rPr lang="en-US" sz="6000" dirty="0"/>
             </a:br>
@@ -4809,7 +4946,7 @@
           <p:cNvPr id="3" name="Subtitle 2">
             <a:extLst>
               <a:ext uri="{FF2B5EF4-FFF2-40B4-BE49-F238E27FC236}">
-                <a16:creationId xmlns:a16="http://schemas.microsoft.com/office/drawing/2014/main" xmlns="" id="{2E3A9AA8-2389-4947-9A2A-A04E8687A337}"/>
+                <a16:creationId xmlns:a16="http://schemas.microsoft.com/office/drawing/2014/main" id="{2E3A9AA8-2389-4947-9A2A-A04E8687A337}"/>
               </a:ext>
             </a:extLst>
           </p:cNvPr>
@@ -4905,10 +5042,10 @@
       </p:grpSpPr>
       <p:pic>
         <p:nvPicPr>
-          <p:cNvPr id="7" name="Picture 6" descr="A close up of a map&#10;&#10;Description automatically generated">
+          <p:cNvPr id="5" name="Picture 4">
             <a:extLst>
               <a:ext uri="{FF2B5EF4-FFF2-40B4-BE49-F238E27FC236}">
-                <a16:creationId xmlns:a16="http://schemas.microsoft.com/office/drawing/2014/main" xmlns="" id="{C189A54F-F958-4DBA-BFAB-D9C7FD13B62E}"/>
+                <a16:creationId xmlns:a16="http://schemas.microsoft.com/office/drawing/2014/main" id="{BF29C57B-927C-4BFC-BC7E-DA8D60D1CB10}"/>
               </a:ext>
             </a:extLst>
           </p:cNvPr>
@@ -4931,8 +5068,8 @@
         </p:blipFill>
         <p:spPr>
           <a:xfrm>
-            <a:off x="497286" y="0"/>
-            <a:ext cx="8988619" cy="6811713"/>
+            <a:off x="485030" y="26373"/>
+            <a:ext cx="8794142" cy="6768905"/>
           </a:xfrm>
           <a:prstGeom prst="rect">
             <a:avLst/>
@@ -4941,10 +5078,10 @@
       </p:pic>
       <p:sp>
         <p:nvSpPr>
-          <p:cNvPr id="8" name="Rectangle 7">
+          <p:cNvPr id="8" name="Oval 7">
             <a:extLst>
               <a:ext uri="{FF2B5EF4-FFF2-40B4-BE49-F238E27FC236}">
-                <a16:creationId xmlns:a16="http://schemas.microsoft.com/office/drawing/2014/main" xmlns="" id="{D3BF7C90-5346-454B-BF96-9A141B369BB5}"/>
+                <a16:creationId xmlns:a16="http://schemas.microsoft.com/office/drawing/2014/main" id="{A24D14D8-B82B-4CBB-B07D-1D154616C868}"/>
               </a:ext>
             </a:extLst>
           </p:cNvPr>
@@ -4953,28 +5090,169 @@
         </p:nvSpPr>
         <p:spPr>
           <a:xfrm>
-            <a:off x="8749086" y="5623070"/>
-            <a:ext cx="6096000" cy="923330"/>
+            <a:off x="3790950" y="5222875"/>
+            <a:ext cx="609600" cy="527050"/>
+          </a:xfrm>
+          <a:prstGeom prst="ellipse">
+            <a:avLst/>
+          </a:prstGeom>
+          <a:solidFill>
+            <a:srgbClr val="FFFF00">
+              <a:alpha val="44000"/>
+            </a:srgbClr>
+          </a:solidFill>
+          <a:ln>
+            <a:solidFill>
+              <a:srgbClr val="FFFF00"/>
+            </a:solidFill>
+          </a:ln>
+        </p:spPr>
+        <p:style>
+          <a:lnRef idx="2">
+            <a:schemeClr val="accent1">
+              <a:shade val="50000"/>
+            </a:schemeClr>
+          </a:lnRef>
+          <a:fillRef idx="1">
+            <a:schemeClr val="accent1"/>
+          </a:fillRef>
+          <a:effectRef idx="0">
+            <a:schemeClr val="accent1"/>
+          </a:effectRef>
+          <a:fontRef idx="minor">
+            <a:schemeClr val="lt1"/>
+          </a:fontRef>
+        </p:style>
+        <p:txBody>
+          <a:bodyPr rtlCol="0" anchor="ctr"/>
+          <a:lstStyle/>
+          <a:p>
+            <a:pPr algn="ctr"/>
+            <a:endParaRPr lang="en-US"/>
+          </a:p>
+        </p:txBody>
+      </p:sp>
+      <p:sp>
+        <p:nvSpPr>
+          <p:cNvPr id="9" name="Oval 8">
+            <a:extLst>
+              <a:ext uri="{FF2B5EF4-FFF2-40B4-BE49-F238E27FC236}">
+                <a16:creationId xmlns:a16="http://schemas.microsoft.com/office/drawing/2014/main" id="{1C2E6536-0373-4A0E-8417-169ABFA30F05}"/>
+              </a:ext>
+            </a:extLst>
+          </p:cNvPr>
+          <p:cNvSpPr/>
+          <p:nvPr/>
+        </p:nvSpPr>
+        <p:spPr>
+          <a:xfrm>
+            <a:off x="8528803" y="3229851"/>
+            <a:ext cx="196850" cy="180975"/>
+          </a:xfrm>
+          <a:prstGeom prst="ellipse">
+            <a:avLst/>
+          </a:prstGeom>
+          <a:solidFill>
+            <a:srgbClr val="FFFF00">
+              <a:alpha val="44000"/>
+            </a:srgbClr>
+          </a:solidFill>
+          <a:ln>
+            <a:solidFill>
+              <a:schemeClr val="bg2"/>
+            </a:solidFill>
+          </a:ln>
+        </p:spPr>
+        <p:style>
+          <a:lnRef idx="2">
+            <a:schemeClr val="accent1">
+              <a:shade val="50000"/>
+            </a:schemeClr>
+          </a:lnRef>
+          <a:fillRef idx="1">
+            <a:schemeClr val="accent1"/>
+          </a:fillRef>
+          <a:effectRef idx="0">
+            <a:schemeClr val="accent1"/>
+          </a:effectRef>
+          <a:fontRef idx="minor">
+            <a:schemeClr val="lt1"/>
+          </a:fontRef>
+        </p:style>
+        <p:txBody>
+          <a:bodyPr rtlCol="0" anchor="ctr"/>
+          <a:lstStyle/>
+          <a:p>
+            <a:pPr algn="ctr"/>
+            <a:endParaRPr lang="en-US"/>
+          </a:p>
+        </p:txBody>
+      </p:sp>
+      <p:sp>
+        <p:nvSpPr>
+          <p:cNvPr id="10" name="TextBox 9">
+            <a:extLst>
+              <a:ext uri="{FF2B5EF4-FFF2-40B4-BE49-F238E27FC236}">
+                <a16:creationId xmlns:a16="http://schemas.microsoft.com/office/drawing/2014/main" id="{97DDA6F8-7EDE-43E2-B5AA-415D2641A6F0}"/>
+              </a:ext>
+            </a:extLst>
+          </p:cNvPr>
+          <p:cNvSpPr txBox="1"/>
+          <p:nvPr/>
+        </p:nvSpPr>
+        <p:spPr>
+          <a:xfrm>
+            <a:off x="8572500" y="3129865"/>
+            <a:ext cx="2393950" cy="646331"/>
+          </a:xfrm>
+          <a:prstGeom prst="rect">
+            <a:avLst/>
+          </a:prstGeom>
+          <a:noFill/>
+        </p:spPr>
+        <p:txBody>
+          <a:bodyPr wrap="square" rtlCol="0">
+            <a:spAutoFit/>
+          </a:bodyPr>
+          <a:lstStyle/>
+          <a:p>
+            <a:pPr algn="ctr"/>
+            <a:r>
+              <a:rPr lang="en-US" dirty="0">
+                <a:latin typeface="Arial Nova Cond" panose="020B0604020202020204" pitchFamily="34" charset="0"/>
+              </a:rPr>
+              <a:t>The Financial Crash of 2008-2009</a:t>
+            </a:r>
+          </a:p>
+        </p:txBody>
+      </p:sp>
+      <p:sp>
+        <p:nvSpPr>
+          <p:cNvPr id="11" name="Rectangle 10">
+            <a:extLst>
+              <a:ext uri="{FF2B5EF4-FFF2-40B4-BE49-F238E27FC236}">
+                <a16:creationId xmlns:a16="http://schemas.microsoft.com/office/drawing/2014/main" id="{D1125474-4896-427D-91A8-5D778A081D7F}"/>
+              </a:ext>
+            </a:extLst>
+          </p:cNvPr>
+          <p:cNvSpPr/>
+          <p:nvPr/>
+        </p:nvSpPr>
+        <p:spPr>
+          <a:xfrm>
+            <a:off x="8627228" y="5845341"/>
+            <a:ext cx="2545056" cy="646331"/>
           </a:xfrm>
           <a:prstGeom prst="rect">
             <a:avLst/>
           </a:prstGeom>
         </p:spPr>
         <p:txBody>
-          <a:bodyPr>
+          <a:bodyPr wrap="none">
             <a:spAutoFit/>
           </a:bodyPr>
           <a:lstStyle/>
           <a:p>
-            <a:endParaRPr lang="en-US" dirty="0"/>
-          </a:p>
-          <a:p>
-            <a:r>
-              <a:rPr lang="en-US" dirty="0">
-                <a:latin typeface="Arial Nova Cond" panose="020B0506020202020204" pitchFamily="34" charset="0"/>
-              </a:rPr>
-              <a:t>Pearson r : 0.723121846 </a:t>
-            </a:r>
             <a:r>
               <a:rPr lang="en-US" dirty="0">
                 <a:solidFill>
@@ -4982,64 +5260,54 @@
                 </a:solidFill>
                 <a:latin typeface="Arial Nova Cond" panose="020B0506020202020204" pitchFamily="34" charset="0"/>
               </a:rPr>
-              <a:t> </a:t>
-            </a:r>
-          </a:p>
-          <a:p>
+              <a:t>Pearson r :</a:t>
+            </a:r>
             <a:r>
               <a:rPr lang="en-US" dirty="0">
                 <a:latin typeface="Arial Nova Cond" panose="020B0506020202020204" pitchFamily="34" charset="0"/>
               </a:rPr>
-              <a:t>P Value : 1.23E-22 </a:t>
-            </a:r>
-          </a:p>
-        </p:txBody>
-      </p:sp>
-      <p:sp>
-        <p:nvSpPr>
-          <p:cNvPr id="11" name="TextBox 10">
-            <a:extLst>
-              <a:ext uri="{FF2B5EF4-FFF2-40B4-BE49-F238E27FC236}">
-                <a16:creationId xmlns:a16="http://schemas.microsoft.com/office/drawing/2014/main" xmlns="" id="{1C549C03-3865-415D-8E2A-F8AA0686C63C}"/>
-              </a:ext>
-            </a:extLst>
-          </p:cNvPr>
-          <p:cNvSpPr txBox="1"/>
-          <p:nvPr/>
-        </p:nvSpPr>
-        <p:spPr>
-          <a:xfrm>
-            <a:off x="8749086" y="3164619"/>
-            <a:ext cx="2638178" cy="923330"/>
-          </a:xfrm>
-          <a:prstGeom prst="rect">
-            <a:avLst/>
-          </a:prstGeom>
-          <a:noFill/>
-        </p:spPr>
-        <p:txBody>
-          <a:bodyPr wrap="square" rtlCol="0">
-            <a:spAutoFit/>
-          </a:bodyPr>
-          <a:lstStyle/>
-          <a:p>
+              <a:t> </a:t>
+            </a:r>
+            <a:r>
+              <a:rPr lang="en-US" dirty="0">
+                <a:solidFill>
+                  <a:srgbClr val="000000"/>
+                </a:solidFill>
+                <a:latin typeface="Arial Nova Cond" panose="020B0506020202020204" pitchFamily="34" charset="0"/>
+              </a:rPr>
+              <a:t>-0.465546108</a:t>
+            </a:r>
+          </a:p>
+          <a:p>
+            <a:r>
+              <a:rPr lang="en-US" dirty="0">
+                <a:solidFill>
+                  <a:srgbClr val="000000"/>
+                </a:solidFill>
+                <a:latin typeface="Arial Nova Cond" panose="020B0506020202020204" pitchFamily="34" charset="0"/>
+              </a:rPr>
+              <a:t>P Value :   </a:t>
+            </a:r>
             <a:r>
               <a:rPr lang="en-US" dirty="0">
                 <a:latin typeface="Arial Nova Cond" panose="020B0506020202020204" pitchFamily="34" charset="0"/>
               </a:rPr>
-              <a:t>Exxon Mobile is the 9</a:t>
-            </a:r>
-            <a:r>
-              <a:rPr lang="en-US" baseline="30000" dirty="0">
+              <a:t> </a:t>
+            </a:r>
+            <a:r>
+              <a:rPr lang="en-US" dirty="0">
+                <a:solidFill>
+                  <a:srgbClr val="000000"/>
+                </a:solidFill>
                 <a:latin typeface="Arial Nova Cond" panose="020B0506020202020204" pitchFamily="34" charset="0"/>
               </a:rPr>
-              <a:t>th</a:t>
+              <a:t>1.86E-08</a:t>
             </a:r>
             <a:r>
               <a:rPr lang="en-US" dirty="0">
                 <a:latin typeface="Arial Nova Cond" panose="020B0506020202020204" pitchFamily="34" charset="0"/>
               </a:rPr>
-              <a:t> largest company by revenue</a:t>
+              <a:t> </a:t>
             </a:r>
           </a:p>
         </p:txBody>
@@ -5047,7 +5315,7 @@
     </p:spTree>
     <p:extLst>
       <p:ext uri="{BB962C8B-B14F-4D97-AF65-F5344CB8AC3E}">
-        <p14:creationId xmlns:p14="http://schemas.microsoft.com/office/powerpoint/2010/main" val="1680070641"/>
+        <p14:creationId xmlns:p14="http://schemas.microsoft.com/office/powerpoint/2010/main" val="3323913835"/>
       </p:ext>
     </p:extLst>
   </p:cSld>
@@ -5074,130 +5342,120 @@
           <a:chExt cx="0" cy="0"/>
         </a:xfrm>
       </p:grpSpPr>
-      <p:sp>
-        <p:nvSpPr>
-          <p:cNvPr id="2" name="Title 1">
+      <p:pic>
+        <p:nvPicPr>
+          <p:cNvPr id="7" name="Picture 6">
             <a:extLst>
               <a:ext uri="{FF2B5EF4-FFF2-40B4-BE49-F238E27FC236}">
-                <a16:creationId xmlns:a16="http://schemas.microsoft.com/office/drawing/2014/main" xmlns="" id="{34AF17CB-9F37-4C44-AB66-2DAC3DBF7FCB}"/>
+                <a16:creationId xmlns:a16="http://schemas.microsoft.com/office/drawing/2014/main" id="{58C2FCEF-92D6-493C-AB66-66529B49971E}"/>
               </a:ext>
             </a:extLst>
           </p:cNvPr>
-          <p:cNvSpPr>
-            <a:spLocks noGrp="1"/>
-          </p:cNvSpPr>
-          <p:nvPr>
-            <p:ph type="title"/>
-          </p:nvPr>
-        </p:nvSpPr>
-        <p:spPr/>
-        <p:txBody>
-          <a:bodyPr/>
-          <a:lstStyle/>
-          <a:p>
-            <a:r>
-              <a:rPr lang="en-US" dirty="0"/>
-              <a:t>Conclusions</a:t>
-            </a:r>
-          </a:p>
-        </p:txBody>
-      </p:sp>
-      <p:sp>
-        <p:nvSpPr>
-          <p:cNvPr id="3" name="Content Placeholder 2">
+          <p:cNvPicPr>
+            <a:picLocks noChangeAspect="1"/>
+          </p:cNvPicPr>
+          <p:nvPr/>
+        </p:nvPicPr>
+        <p:blipFill>
+          <a:blip r:embed="rId3">
+            <a:extLst>
+              <a:ext uri="{28A0092B-C50C-407E-A947-70E740481C1C}">
+                <a14:useLocalDpi xmlns:a14="http://schemas.microsoft.com/office/drawing/2010/main" val="0"/>
+              </a:ext>
+            </a:extLst>
+          </a:blip>
+          <a:stretch>
+            <a:fillRect/>
+          </a:stretch>
+        </p:blipFill>
+        <p:spPr>
+          <a:xfrm>
+            <a:off x="465151" y="95250"/>
+            <a:ext cx="8642350" cy="6667500"/>
+          </a:xfrm>
+          <a:prstGeom prst="rect">
+            <a:avLst/>
+          </a:prstGeom>
+        </p:spPr>
+      </p:pic>
+      <p:sp>
+        <p:nvSpPr>
+          <p:cNvPr id="9" name="TextBox 8">
             <a:extLst>
               <a:ext uri="{FF2B5EF4-FFF2-40B4-BE49-F238E27FC236}">
-                <a16:creationId xmlns:a16="http://schemas.microsoft.com/office/drawing/2014/main" xmlns="" id="{801C72B8-F0D9-4EDC-B99E-32A38F03DFED}"/>
+                <a16:creationId xmlns:a16="http://schemas.microsoft.com/office/drawing/2014/main" id="{12BFC674-039B-4EF1-BCB8-ECD29BCA7808}"/>
               </a:ext>
             </a:extLst>
           </p:cNvPr>
-          <p:cNvSpPr>
-            <a:spLocks noGrp="1"/>
-          </p:cNvSpPr>
-          <p:nvPr>
-            <p:ph idx="1"/>
-          </p:nvPr>
-        </p:nvSpPr>
-        <p:spPr/>
-        <p:txBody>
-          <a:bodyPr/>
-          <a:lstStyle/>
-          <a:p>
-            <a:pPr lvl="1"/>
-            <a:r>
-              <a:rPr lang="en-US" dirty="0" smtClean="0"/>
-              <a:t>Hypothesis is proven correct</a:t>
-            </a:r>
-          </a:p>
-          <a:p>
-            <a:pPr lvl="2"/>
-            <a:r>
-              <a:rPr lang="en-US" dirty="0" smtClean="0"/>
-              <a:t>There is correlation between stock price and the housing price of the headquarters city during our selected time period</a:t>
-            </a:r>
-          </a:p>
-          <a:p>
-            <a:pPr lvl="1"/>
-            <a:endParaRPr lang="en-US" dirty="0"/>
-          </a:p>
-          <a:p>
-            <a:pPr lvl="1"/>
-            <a:r>
-              <a:rPr lang="en-US" dirty="0" smtClean="0"/>
-              <a:t>Hypothesis is not consistent across all sets of data</a:t>
-            </a:r>
-          </a:p>
-          <a:p>
-            <a:pPr lvl="2"/>
-            <a:r>
-              <a:rPr lang="en-US" dirty="0" smtClean="0"/>
-              <a:t>There is correlation below our threshold (.40) and at a negative correlation, therefore those companies do not support our hypothesis.</a:t>
-            </a:r>
-          </a:p>
-          <a:p>
-            <a:pPr lvl="2"/>
-            <a:r>
-              <a:rPr lang="en-US" dirty="0" smtClean="0"/>
-              <a:t>AAPL seems to carry the correlation across our map of data</a:t>
-            </a:r>
-          </a:p>
-          <a:p>
-            <a:pPr lvl="2"/>
-            <a:endParaRPr lang="en-US" dirty="0"/>
-          </a:p>
-          <a:p>
-            <a:pPr lvl="1"/>
-            <a:r>
-              <a:rPr lang="en-US" dirty="0" smtClean="0"/>
-              <a:t>Other factors affect our hypothesis</a:t>
-            </a:r>
-          </a:p>
-          <a:p>
-            <a:pPr lvl="2"/>
-            <a:r>
-              <a:rPr lang="en-US" dirty="0" smtClean="0"/>
-              <a:t>Correlation is less/ more effective based on other factors presented</a:t>
-            </a:r>
-          </a:p>
-          <a:p>
-            <a:pPr lvl="2"/>
-            <a:r>
-              <a:rPr lang="en-US" dirty="0" smtClean="0"/>
-              <a:t>Industry Type</a:t>
-            </a:r>
-          </a:p>
-          <a:p>
-            <a:pPr lvl="2"/>
-            <a:r>
-              <a:rPr lang="en-US" dirty="0" smtClean="0"/>
-              <a:t>City Size</a:t>
-            </a:r>
-          </a:p>
-          <a:p>
-            <a:pPr lvl="2"/>
-            <a:r>
-              <a:rPr lang="en-US" dirty="0" smtClean="0"/>
-              <a:t>Household Income</a:t>
+          <p:cNvSpPr txBox="1"/>
+          <p:nvPr/>
+        </p:nvSpPr>
+        <p:spPr>
+          <a:xfrm>
+            <a:off x="8296081" y="3105835"/>
+            <a:ext cx="3058381" cy="1200329"/>
+          </a:xfrm>
+          <a:prstGeom prst="rect">
+            <a:avLst/>
+          </a:prstGeom>
+          <a:noFill/>
+        </p:spPr>
+        <p:txBody>
+          <a:bodyPr wrap="square" rtlCol="0">
+            <a:spAutoFit/>
+          </a:bodyPr>
+          <a:lstStyle/>
+          <a:p>
+            <a:pPr algn="ctr"/>
+            <a:r>
+              <a:rPr lang="en-US" dirty="0">
+                <a:latin typeface="Arial Nova Cond" panose="020B0506020202020204" pitchFamily="34" charset="0"/>
+              </a:rPr>
+              <a:t>The median household income in North Bethesda, MD is nearly 2x the US average. ($103,000)</a:t>
+            </a:r>
+          </a:p>
+        </p:txBody>
+      </p:sp>
+      <p:sp>
+        <p:nvSpPr>
+          <p:cNvPr id="10" name="Rectangle 9">
+            <a:extLst>
+              <a:ext uri="{FF2B5EF4-FFF2-40B4-BE49-F238E27FC236}">
+                <a16:creationId xmlns:a16="http://schemas.microsoft.com/office/drawing/2014/main" id="{95500E2A-0039-4AA0-B966-50A1C217241D}"/>
+              </a:ext>
+            </a:extLst>
+          </p:cNvPr>
+          <p:cNvSpPr/>
+          <p:nvPr/>
+        </p:nvSpPr>
+        <p:spPr>
+          <a:xfrm>
+            <a:off x="8296081" y="5841083"/>
+            <a:ext cx="6096000" cy="646331"/>
+          </a:xfrm>
+          <a:prstGeom prst="rect">
+            <a:avLst/>
+          </a:prstGeom>
+        </p:spPr>
+        <p:txBody>
+          <a:bodyPr>
+            <a:spAutoFit/>
+          </a:bodyPr>
+          <a:lstStyle/>
+          <a:p>
+            <a:r>
+              <a:rPr lang="en-US" dirty="0">
+                <a:latin typeface="Arial Nova Cond" panose="020B0506020202020204" pitchFamily="34" charset="0"/>
+              </a:rPr>
+              <a:t>Pearson r : 0.577074</a:t>
+            </a:r>
+          </a:p>
+          <a:p>
+            <a:r>
+              <a:rPr lang="en-US" dirty="0">
+                <a:latin typeface="Arial Nova Cond" panose="020B0506020202020204" pitchFamily="34" charset="0"/>
+              </a:rPr>
+              <a:t>P Value : 15.42E-13</a:t>
             </a:r>
           </a:p>
         </p:txBody>
@@ -5205,7 +5463,7 @@
     </p:spTree>
     <p:extLst>
       <p:ext uri="{BB962C8B-B14F-4D97-AF65-F5344CB8AC3E}">
-        <p14:creationId xmlns:p14="http://schemas.microsoft.com/office/powerpoint/2010/main" val="26426456"/>
+        <p14:creationId xmlns:p14="http://schemas.microsoft.com/office/powerpoint/2010/main" val="3323950502"/>
       </p:ext>
     </p:extLst>
   </p:cSld>
@@ -5237,7 +5495,7 @@
           <p:cNvPr id="2" name="Title 1">
             <a:extLst>
               <a:ext uri="{FF2B5EF4-FFF2-40B4-BE49-F238E27FC236}">
-                <a16:creationId xmlns:a16="http://schemas.microsoft.com/office/drawing/2014/main" xmlns="" id="{5E34D46C-86A2-47BF-9E8D-E7DDA9D4193D}"/>
+                <a16:creationId xmlns:a16="http://schemas.microsoft.com/office/drawing/2014/main" id="{34AF17CB-9F37-4C44-AB66-2DAC3DBF7FCB}"/>
               </a:ext>
             </a:extLst>
           </p:cNvPr>
@@ -5255,7 +5513,7 @@
           <a:p>
             <a:r>
               <a:rPr lang="en-US" dirty="0"/>
-              <a:t>Implications</a:t>
+              <a:t>Conclusions</a:t>
             </a:r>
           </a:p>
         </p:txBody>
@@ -5265,7 +5523,7 @@
           <p:cNvPr id="3" name="Content Placeholder 2">
             <a:extLst>
               <a:ext uri="{FF2B5EF4-FFF2-40B4-BE49-F238E27FC236}">
-                <a16:creationId xmlns:a16="http://schemas.microsoft.com/office/drawing/2014/main" xmlns="" id="{5A8F4FE1-7348-45B3-AFCE-5E58F81A9B17}"/>
+                <a16:creationId xmlns:a16="http://schemas.microsoft.com/office/drawing/2014/main" id="{801C72B8-F0D9-4EDC-B99E-32A38F03DFED}"/>
               </a:ext>
             </a:extLst>
           </p:cNvPr>
@@ -5281,6 +5539,164 @@
           <a:bodyPr/>
           <a:lstStyle/>
           <a:p>
+            <a:pPr lvl="1"/>
+            <a:r>
+              <a:rPr lang="en-US" dirty="0"/>
+              <a:t>Hypothesis is proven correct</a:t>
+            </a:r>
+          </a:p>
+          <a:p>
+            <a:pPr lvl="2"/>
+            <a:r>
+              <a:rPr lang="en-US" dirty="0"/>
+              <a:t>There is correlation between stock price and the housing price of the headquarters city during our selected time period</a:t>
+            </a:r>
+          </a:p>
+          <a:p>
+            <a:pPr lvl="1"/>
+            <a:endParaRPr lang="en-US" dirty="0"/>
+          </a:p>
+          <a:p>
+            <a:pPr lvl="1"/>
+            <a:r>
+              <a:rPr lang="en-US" dirty="0"/>
+              <a:t>Hypothesis is not consistent across all sets of data</a:t>
+            </a:r>
+          </a:p>
+          <a:p>
+            <a:pPr lvl="2"/>
+            <a:r>
+              <a:rPr lang="en-US" dirty="0"/>
+              <a:t>There is correlation below our threshold (.40) and at a negative correlation, therefore those companies do not support our hypothesis.</a:t>
+            </a:r>
+          </a:p>
+          <a:p>
+            <a:pPr lvl="2"/>
+            <a:r>
+              <a:rPr lang="en-US" dirty="0"/>
+              <a:t>AAPL seems to carry the correlation across our map of data</a:t>
+            </a:r>
+          </a:p>
+          <a:p>
+            <a:pPr lvl="2"/>
+            <a:endParaRPr lang="en-US" dirty="0"/>
+          </a:p>
+          <a:p>
+            <a:pPr lvl="1"/>
+            <a:r>
+              <a:rPr lang="en-US" dirty="0"/>
+              <a:t>Other factors affect our hypothesis</a:t>
+            </a:r>
+          </a:p>
+          <a:p>
+            <a:pPr lvl="2"/>
+            <a:r>
+              <a:rPr lang="en-US" dirty="0"/>
+              <a:t>Correlation is less/ more effective based on other factors presented</a:t>
+            </a:r>
+          </a:p>
+          <a:p>
+            <a:pPr lvl="2"/>
+            <a:r>
+              <a:rPr lang="en-US" dirty="0"/>
+              <a:t>Industry Type</a:t>
+            </a:r>
+          </a:p>
+          <a:p>
+            <a:pPr lvl="2"/>
+            <a:r>
+              <a:rPr lang="en-US" dirty="0"/>
+              <a:t>City Size</a:t>
+            </a:r>
+          </a:p>
+          <a:p>
+            <a:pPr lvl="2"/>
+            <a:r>
+              <a:rPr lang="en-US" dirty="0"/>
+              <a:t>Household Income</a:t>
+            </a:r>
+          </a:p>
+        </p:txBody>
+      </p:sp>
+    </p:spTree>
+    <p:extLst>
+      <p:ext uri="{BB962C8B-B14F-4D97-AF65-F5344CB8AC3E}">
+        <p14:creationId xmlns:p14="http://schemas.microsoft.com/office/powerpoint/2010/main" val="26426456"/>
+      </p:ext>
+    </p:extLst>
+  </p:cSld>
+  <p:clrMapOvr>
+    <a:masterClrMapping/>
+  </p:clrMapOvr>
+</p:sld>
+</file>
+
+<file path=ppt/slides/slide13.xml><?xml version="1.0" encoding="utf-8"?>
+<p:sld xmlns:a="http://schemas.openxmlformats.org/drawingml/2006/main" xmlns:r="http://schemas.openxmlformats.org/officeDocument/2006/relationships" xmlns:p="http://schemas.openxmlformats.org/presentationml/2006/main">
+  <p:cSld>
+    <p:spTree>
+      <p:nvGrpSpPr>
+        <p:cNvPr id="1" name=""/>
+        <p:cNvGrpSpPr/>
+        <p:nvPr/>
+      </p:nvGrpSpPr>
+      <p:grpSpPr>
+        <a:xfrm>
+          <a:off x="0" y="0"/>
+          <a:ext cx="0" cy="0"/>
+          <a:chOff x="0" y="0"/>
+          <a:chExt cx="0" cy="0"/>
+        </a:xfrm>
+      </p:grpSpPr>
+      <p:sp>
+        <p:nvSpPr>
+          <p:cNvPr id="2" name="Title 1">
+            <a:extLst>
+              <a:ext uri="{FF2B5EF4-FFF2-40B4-BE49-F238E27FC236}">
+                <a16:creationId xmlns:a16="http://schemas.microsoft.com/office/drawing/2014/main" id="{5E34D46C-86A2-47BF-9E8D-E7DDA9D4193D}"/>
+              </a:ext>
+            </a:extLst>
+          </p:cNvPr>
+          <p:cNvSpPr>
+            <a:spLocks noGrp="1"/>
+          </p:cNvSpPr>
+          <p:nvPr>
+            <p:ph type="title"/>
+          </p:nvPr>
+        </p:nvSpPr>
+        <p:spPr/>
+        <p:txBody>
+          <a:bodyPr/>
+          <a:lstStyle/>
+          <a:p>
+            <a:r>
+              <a:rPr lang="en-US" dirty="0"/>
+              <a:t>Implications</a:t>
+            </a:r>
+          </a:p>
+        </p:txBody>
+      </p:sp>
+      <p:sp>
+        <p:nvSpPr>
+          <p:cNvPr id="3" name="Content Placeholder 2">
+            <a:extLst>
+              <a:ext uri="{FF2B5EF4-FFF2-40B4-BE49-F238E27FC236}">
+                <a16:creationId xmlns:a16="http://schemas.microsoft.com/office/drawing/2014/main" id="{5A8F4FE1-7348-45B3-AFCE-5E58F81A9B17}"/>
+              </a:ext>
+            </a:extLst>
+          </p:cNvPr>
+          <p:cNvSpPr>
+            <a:spLocks noGrp="1"/>
+          </p:cNvSpPr>
+          <p:nvPr>
+            <p:ph idx="1"/>
+          </p:nvPr>
+        </p:nvSpPr>
+        <p:spPr/>
+        <p:txBody>
+          <a:bodyPr/>
+          <a:lstStyle/>
+          <a:p>
             <a:r>
               <a:rPr lang="en-US" dirty="0"/>
               <a:t>For Companies</a:t>
@@ -5344,22 +5760,9 @@
           <a:p>
             <a:pPr lvl="1"/>
             <a:r>
-              <a:rPr lang="en-US" dirty="0" smtClean="0"/>
-              <a:t>Other factors can m</a:t>
-            </a:r>
-            <a:r>
-              <a:rPr lang="en-US" dirty="0" smtClean="0"/>
-              <a:t>itigate </a:t>
-            </a:r>
-            <a:r>
               <a:rPr lang="en-US" dirty="0"/>
-              <a:t>the impact of the </a:t>
-            </a:r>
-            <a:r>
-              <a:rPr lang="en-US" dirty="0" smtClean="0"/>
-              <a:t>company</a:t>
-            </a:r>
-            <a:endParaRPr lang="en-US" dirty="0"/>
+              <a:t>Other factors can mitigate the impact of the company</a:t>
+            </a:r>
           </a:p>
         </p:txBody>
       </p:sp>
@@ -5398,7 +5801,7 @@
           <p:cNvPr id="2" name="Title 1">
             <a:extLst>
               <a:ext uri="{FF2B5EF4-FFF2-40B4-BE49-F238E27FC236}">
-                <a16:creationId xmlns:a16="http://schemas.microsoft.com/office/drawing/2014/main" xmlns="" id="{751810BF-8E45-463C-A43A-65C146C9A53E}"/>
+                <a16:creationId xmlns:a16="http://schemas.microsoft.com/office/drawing/2014/main" id="{751810BF-8E45-463C-A43A-65C146C9A53E}"/>
               </a:ext>
             </a:extLst>
           </p:cNvPr>
@@ -5426,7 +5829,7 @@
           <p:cNvPr id="3" name="Content Placeholder 2">
             <a:extLst>
               <a:ext uri="{FF2B5EF4-FFF2-40B4-BE49-F238E27FC236}">
-                <a16:creationId xmlns:a16="http://schemas.microsoft.com/office/drawing/2014/main" xmlns="" id="{1E2732B0-A81A-45CB-8C0B-38D27C03FBD8}"/>
+                <a16:creationId xmlns:a16="http://schemas.microsoft.com/office/drawing/2014/main" id="{1E2732B0-A81A-45CB-8C0B-38D27C03FBD8}"/>
               </a:ext>
             </a:extLst>
           </p:cNvPr>
@@ -5459,7 +5862,7 @@
           <p:cNvPr id="4" name="Picture 3">
             <a:extLst>
               <a:ext uri="{FF2B5EF4-FFF2-40B4-BE49-F238E27FC236}">
-                <a16:creationId xmlns:a16="http://schemas.microsoft.com/office/drawing/2014/main" xmlns="" id="{ACEAEE43-FC40-4FC4-956D-214FDED8FE8E}"/>
+                <a16:creationId xmlns:a16="http://schemas.microsoft.com/office/drawing/2014/main" id="{ACEAEE43-FC40-4FC4-956D-214FDED8FE8E}"/>
               </a:ext>
             </a:extLst>
           </p:cNvPr>
@@ -5469,7 +5872,7 @@
           <p:nvPr/>
         </p:nvPicPr>
         <p:blipFill>
-          <a:blip r:embed="rId2">
+          <a:blip r:embed="rId3">
             <a:extLst>
               <a:ext uri="{28A0092B-C50C-407E-A947-70E740481C1C}">
                 <a14:useLocalDpi xmlns:a14="http://schemas.microsoft.com/office/drawing/2010/main" val="0"/>
@@ -5482,8 +5885,8 @@
         </p:blipFill>
         <p:spPr>
           <a:xfrm>
-            <a:off x="2755455" y="2739962"/>
-            <a:ext cx="4998594" cy="3752278"/>
+            <a:off x="2771496" y="2627668"/>
+            <a:ext cx="5485841" cy="4118038"/>
           </a:xfrm>
           <a:prstGeom prst="rect">
             <a:avLst/>
@@ -5525,7 +5928,7 @@
           <p:cNvPr id="2" name="Title 1">
             <a:extLst>
               <a:ext uri="{FF2B5EF4-FFF2-40B4-BE49-F238E27FC236}">
-                <a16:creationId xmlns:a16="http://schemas.microsoft.com/office/drawing/2014/main" xmlns="" id="{645CCC70-C6EE-4406-9A7D-F5CB501F7627}"/>
+                <a16:creationId xmlns:a16="http://schemas.microsoft.com/office/drawing/2014/main" id="{645CCC70-C6EE-4406-9A7D-F5CB501F7627}"/>
               </a:ext>
             </a:extLst>
           </p:cNvPr>
@@ -5553,7 +5956,7 @@
           <p:cNvPr id="3" name="Content Placeholder 2">
             <a:extLst>
               <a:ext uri="{FF2B5EF4-FFF2-40B4-BE49-F238E27FC236}">
-                <a16:creationId xmlns:a16="http://schemas.microsoft.com/office/drawing/2014/main" xmlns="" id="{0AB30A17-1492-4039-855B-F7097DA977C6}"/>
+                <a16:creationId xmlns:a16="http://schemas.microsoft.com/office/drawing/2014/main" id="{0AB30A17-1492-4039-855B-F7097DA977C6}"/>
               </a:ext>
             </a:extLst>
           </p:cNvPr>
@@ -5651,7 +6054,7 @@
           <p:cNvPr id="2" name="Title 1">
             <a:extLst>
               <a:ext uri="{FF2B5EF4-FFF2-40B4-BE49-F238E27FC236}">
-                <a16:creationId xmlns:a16="http://schemas.microsoft.com/office/drawing/2014/main" xmlns="" id="{7EB2C5A1-5DA4-4939-9D67-3E694766B9D4}"/>
+                <a16:creationId xmlns:a16="http://schemas.microsoft.com/office/drawing/2014/main" id="{7EB2C5A1-5DA4-4939-9D67-3E694766B9D4}"/>
               </a:ext>
             </a:extLst>
           </p:cNvPr>
@@ -5679,7 +6082,7 @@
           <p:cNvPr id="3" name="Content Placeholder 2">
             <a:extLst>
               <a:ext uri="{FF2B5EF4-FFF2-40B4-BE49-F238E27FC236}">
-                <a16:creationId xmlns:a16="http://schemas.microsoft.com/office/drawing/2014/main" xmlns="" id="{FDA91167-F714-47D5-A37B-FB93C6F14E87}"/>
+                <a16:creationId xmlns:a16="http://schemas.microsoft.com/office/drawing/2014/main" id="{FDA91167-F714-47D5-A37B-FB93C6F14E87}"/>
               </a:ext>
             </a:extLst>
           </p:cNvPr>
@@ -5708,7 +6111,7 @@
                 <a:hlinkClick r:id="rId3">
                   <a:extLst>
                     <a:ext uri="{A12FA001-AC4F-418D-AE19-62706E023703}">
-                      <ahyp:hlinkClr xmlns:ahyp="http://schemas.microsoft.com/office/drawing/2018/hyperlinkcolor" xmlns="" val="tx"/>
+                      <ahyp:hlinkClr xmlns:ahyp="http://schemas.microsoft.com/office/drawing/2018/hyperlinkcolor" val="tx"/>
                     </a:ext>
                   </a:extLst>
                 </a:hlinkClick>
@@ -5756,7 +6159,7 @@
                 <a:hlinkClick r:id="rId4">
                   <a:extLst>
                     <a:ext uri="{A12FA001-AC4F-418D-AE19-62706E023703}">
-                      <ahyp:hlinkClr xmlns:ahyp="http://schemas.microsoft.com/office/drawing/2018/hyperlinkcolor" xmlns="" val="tx"/>
+                      <ahyp:hlinkClr xmlns:ahyp="http://schemas.microsoft.com/office/drawing/2018/hyperlinkcolor" val="tx"/>
                     </a:ext>
                   </a:extLst>
                 </a:hlinkClick>
@@ -5855,7 +6258,7 @@
           <p:cNvPr id="2" name="Title 1">
             <a:extLst>
               <a:ext uri="{FF2B5EF4-FFF2-40B4-BE49-F238E27FC236}">
-                <a16:creationId xmlns:a16="http://schemas.microsoft.com/office/drawing/2014/main" xmlns="" id="{2D1A3DA8-FF0B-4A56-B181-56AC1B10B464}"/>
+                <a16:creationId xmlns:a16="http://schemas.microsoft.com/office/drawing/2014/main" id="{2D1A3DA8-FF0B-4A56-B181-56AC1B10B464}"/>
               </a:ext>
             </a:extLst>
           </p:cNvPr>
@@ -5883,7 +6286,7 @@
           <p:cNvPr id="3" name="Content Placeholder 2">
             <a:extLst>
               <a:ext uri="{FF2B5EF4-FFF2-40B4-BE49-F238E27FC236}">
-                <a16:creationId xmlns:a16="http://schemas.microsoft.com/office/drawing/2014/main" xmlns="" id="{49A728C8-4DE5-4D66-975B-09391E2CF141}"/>
+                <a16:creationId xmlns:a16="http://schemas.microsoft.com/office/drawing/2014/main" id="{49A728C8-4DE5-4D66-975B-09391E2CF141}"/>
               </a:ext>
             </a:extLst>
           </p:cNvPr>
@@ -5910,7 +6313,7 @@
                 <a:hlinkClick r:id="rId3">
                   <a:extLst>
                     <a:ext uri="{A12FA001-AC4F-418D-AE19-62706E023703}">
-                      <ahyp:hlinkClr xmlns:ahyp="http://schemas.microsoft.com/office/drawing/2018/hyperlinkcolor" xmlns="" val="tx"/>
+                      <ahyp:hlinkClr xmlns:ahyp="http://schemas.microsoft.com/office/drawing/2018/hyperlinkcolor" val="tx"/>
                     </a:ext>
                   </a:extLst>
                 </a:hlinkClick>
@@ -6056,7 +6459,7 @@
           <p:cNvPr id="2" name="Title 1">
             <a:extLst>
               <a:ext uri="{FF2B5EF4-FFF2-40B4-BE49-F238E27FC236}">
-                <a16:creationId xmlns:a16="http://schemas.microsoft.com/office/drawing/2014/main" xmlns="" id="{150B7F2A-220F-457B-BD53-2FC369392C73}"/>
+                <a16:creationId xmlns:a16="http://schemas.microsoft.com/office/drawing/2014/main" id="{150B7F2A-220F-457B-BD53-2FC369392C73}"/>
               </a:ext>
             </a:extLst>
           </p:cNvPr>
@@ -6088,7 +6491,7 @@
           <p:cNvPr id="4" name="Picture 3">
             <a:extLst>
               <a:ext uri="{FF2B5EF4-FFF2-40B4-BE49-F238E27FC236}">
-                <a16:creationId xmlns:a16="http://schemas.microsoft.com/office/drawing/2014/main" xmlns="" id="{812DCB94-F3C1-490F-9783-B6A88FAF4F4A}"/>
+                <a16:creationId xmlns:a16="http://schemas.microsoft.com/office/drawing/2014/main" id="{812DCB94-F3C1-490F-9783-B6A88FAF4F4A}"/>
               </a:ext>
             </a:extLst>
           </p:cNvPr>
@@ -6123,7 +6526,7 @@
           <p:cNvPr id="6" name="Picture 5">
             <a:extLst>
               <a:ext uri="{FF2B5EF4-FFF2-40B4-BE49-F238E27FC236}">
-                <a16:creationId xmlns:a16="http://schemas.microsoft.com/office/drawing/2014/main" xmlns="" id="{61FEDBCE-3338-4724-890D-D2384BD43DA6}"/>
+                <a16:creationId xmlns:a16="http://schemas.microsoft.com/office/drawing/2014/main" id="{61FEDBCE-3338-4724-890D-D2384BD43DA6}"/>
               </a:ext>
             </a:extLst>
           </p:cNvPr>
@@ -6158,7 +6561,7 @@
           <p:cNvPr id="7" name="TextBox 6">
             <a:extLst>
               <a:ext uri="{FF2B5EF4-FFF2-40B4-BE49-F238E27FC236}">
-                <a16:creationId xmlns:a16="http://schemas.microsoft.com/office/drawing/2014/main" xmlns="" id="{D5CB556C-8C66-4279-9332-BBF1807BAE57}"/>
+                <a16:creationId xmlns:a16="http://schemas.microsoft.com/office/drawing/2014/main" id="{D5CB556C-8C66-4279-9332-BBF1807BAE57}"/>
               </a:ext>
             </a:extLst>
           </p:cNvPr>
@@ -6193,7 +6596,7 @@
                 <a:hlinkClick r:id="rId4">
                   <a:extLst>
                     <a:ext uri="{A12FA001-AC4F-418D-AE19-62706E023703}">
-                      <ahyp:hlinkClr xmlns:ahyp="http://schemas.microsoft.com/office/drawing/2018/hyperlinkcolor" xmlns="" val="tx"/>
+                      <ahyp:hlinkClr xmlns:ahyp="http://schemas.microsoft.com/office/drawing/2018/hyperlinkcolor" val="tx"/>
                     </a:ext>
                   </a:extLst>
                 </a:hlinkClick>
@@ -6240,10 +6643,10 @@
       </p:grpSpPr>
       <p:pic>
         <p:nvPicPr>
-          <p:cNvPr id="5" name="Picture 4">
+          <p:cNvPr id="9" name="Picture 8">
             <a:extLst>
               <a:ext uri="{FF2B5EF4-FFF2-40B4-BE49-F238E27FC236}">
-                <a16:creationId xmlns:a16="http://schemas.microsoft.com/office/drawing/2014/main" xmlns="" id="{BF29C57B-927C-4BFC-BC7E-DA8D60D1CB10}"/>
+                <a16:creationId xmlns:a16="http://schemas.microsoft.com/office/drawing/2014/main" id="{54546BCC-24E3-4022-A19E-549AF3EE1B5A}"/>
               </a:ext>
             </a:extLst>
           </p:cNvPr>
@@ -6266,8 +6669,8 @@
         </p:blipFill>
         <p:spPr>
           <a:xfrm>
-            <a:off x="485030" y="26373"/>
-            <a:ext cx="8794142" cy="6768905"/>
+            <a:off x="138363" y="0"/>
+            <a:ext cx="8877300" cy="6858000"/>
           </a:xfrm>
           <a:prstGeom prst="rect">
             <a:avLst/>
@@ -6276,10 +6679,10 @@
       </p:pic>
       <p:sp>
         <p:nvSpPr>
-          <p:cNvPr id="8" name="Oval 7">
+          <p:cNvPr id="10" name="Rectangle 9">
             <a:extLst>
               <a:ext uri="{FF2B5EF4-FFF2-40B4-BE49-F238E27FC236}">
-                <a16:creationId xmlns:a16="http://schemas.microsoft.com/office/drawing/2014/main" xmlns="" id="{A24D14D8-B82B-4CBB-B07D-1D154616C868}"/>
+                <a16:creationId xmlns:a16="http://schemas.microsoft.com/office/drawing/2014/main" id="{64C4DF62-6A9B-4BD6-81C7-5DBC1D99A461}"/>
               </a:ext>
             </a:extLst>
           </p:cNvPr>
@@ -6288,158 +6691,8 @@
         </p:nvSpPr>
         <p:spPr>
           <a:xfrm>
-            <a:off x="3790950" y="5222875"/>
-            <a:ext cx="609600" cy="527050"/>
-          </a:xfrm>
-          <a:prstGeom prst="ellipse">
-            <a:avLst/>
-          </a:prstGeom>
-          <a:solidFill>
-            <a:srgbClr val="FFFF00">
-              <a:alpha val="44000"/>
-            </a:srgbClr>
-          </a:solidFill>
-          <a:ln>
-            <a:solidFill>
-              <a:srgbClr val="FFFF00"/>
-            </a:solidFill>
-          </a:ln>
-        </p:spPr>
-        <p:style>
-          <a:lnRef idx="2">
-            <a:schemeClr val="accent1">
-              <a:shade val="50000"/>
-            </a:schemeClr>
-          </a:lnRef>
-          <a:fillRef idx="1">
-            <a:schemeClr val="accent1"/>
-          </a:fillRef>
-          <a:effectRef idx="0">
-            <a:schemeClr val="accent1"/>
-          </a:effectRef>
-          <a:fontRef idx="minor">
-            <a:schemeClr val="lt1"/>
-          </a:fontRef>
-        </p:style>
-        <p:txBody>
-          <a:bodyPr rtlCol="0" anchor="ctr"/>
-          <a:lstStyle/>
-          <a:p>
-            <a:pPr algn="ctr"/>
-            <a:endParaRPr lang="en-US"/>
-          </a:p>
-        </p:txBody>
-      </p:sp>
-      <p:sp>
-        <p:nvSpPr>
-          <p:cNvPr id="9" name="Oval 8">
-            <a:extLst>
-              <a:ext uri="{FF2B5EF4-FFF2-40B4-BE49-F238E27FC236}">
-                <a16:creationId xmlns:a16="http://schemas.microsoft.com/office/drawing/2014/main" xmlns="" id="{1C2E6536-0373-4A0E-8417-169ABFA30F05}"/>
-              </a:ext>
-            </a:extLst>
-          </p:cNvPr>
-          <p:cNvSpPr/>
-          <p:nvPr/>
-        </p:nvSpPr>
-        <p:spPr>
-          <a:xfrm>
-            <a:off x="8528803" y="3229851"/>
-            <a:ext cx="196850" cy="180975"/>
-          </a:xfrm>
-          <a:prstGeom prst="ellipse">
-            <a:avLst/>
-          </a:prstGeom>
-          <a:solidFill>
-            <a:srgbClr val="FFFF00">
-              <a:alpha val="44000"/>
-            </a:srgbClr>
-          </a:solidFill>
-          <a:ln>
-            <a:solidFill>
-              <a:schemeClr val="bg2"/>
-            </a:solidFill>
-          </a:ln>
-        </p:spPr>
-        <p:style>
-          <a:lnRef idx="2">
-            <a:schemeClr val="accent1">
-              <a:shade val="50000"/>
-            </a:schemeClr>
-          </a:lnRef>
-          <a:fillRef idx="1">
-            <a:schemeClr val="accent1"/>
-          </a:fillRef>
-          <a:effectRef idx="0">
-            <a:schemeClr val="accent1"/>
-          </a:effectRef>
-          <a:fontRef idx="minor">
-            <a:schemeClr val="lt1"/>
-          </a:fontRef>
-        </p:style>
-        <p:txBody>
-          <a:bodyPr rtlCol="0" anchor="ctr"/>
-          <a:lstStyle/>
-          <a:p>
-            <a:pPr algn="ctr"/>
-            <a:endParaRPr lang="en-US"/>
-          </a:p>
-        </p:txBody>
-      </p:sp>
-      <p:sp>
-        <p:nvSpPr>
-          <p:cNvPr id="10" name="TextBox 9">
-            <a:extLst>
-              <a:ext uri="{FF2B5EF4-FFF2-40B4-BE49-F238E27FC236}">
-                <a16:creationId xmlns:a16="http://schemas.microsoft.com/office/drawing/2014/main" xmlns="" id="{97DDA6F8-7EDE-43E2-B5AA-415D2641A6F0}"/>
-              </a:ext>
-            </a:extLst>
-          </p:cNvPr>
-          <p:cNvSpPr txBox="1"/>
-          <p:nvPr/>
-        </p:nvSpPr>
-        <p:spPr>
-          <a:xfrm>
-            <a:off x="8572500" y="3129865"/>
-            <a:ext cx="2393950" cy="646331"/>
-          </a:xfrm>
-          <a:prstGeom prst="rect">
-            <a:avLst/>
-          </a:prstGeom>
-          <a:noFill/>
-        </p:spPr>
-        <p:txBody>
-          <a:bodyPr wrap="square" rtlCol="0">
-            <a:spAutoFit/>
-          </a:bodyPr>
-          <a:lstStyle/>
-          <a:p>
-            <a:pPr algn="ctr"/>
-            <a:r>
-              <a:rPr lang="en-US" dirty="0">
-                <a:latin typeface="Arial Nova Cond" panose="020B0604020202020204" pitchFamily="34" charset="0"/>
-              </a:rPr>
-              <a:t>The Financial Crash of 2008-2009</a:t>
-            </a:r>
-          </a:p>
-        </p:txBody>
-      </p:sp>
-      <p:sp>
-        <p:nvSpPr>
-          <p:cNvPr id="11" name="Rectangle 10">
-            <a:extLst>
-              <a:ext uri="{FF2B5EF4-FFF2-40B4-BE49-F238E27FC236}">
-                <a16:creationId xmlns:a16="http://schemas.microsoft.com/office/drawing/2014/main" xmlns="" id="{D1125474-4896-427D-91A8-5D778A081D7F}"/>
-              </a:ext>
-            </a:extLst>
-          </p:cNvPr>
-          <p:cNvSpPr/>
-          <p:nvPr/>
-        </p:nvSpPr>
-        <p:spPr>
-          <a:xfrm>
-            <a:off x="8627228" y="5845341"/>
-            <a:ext cx="2545056" cy="646331"/>
+            <a:off x="8390393" y="5657671"/>
+            <a:ext cx="2185983" cy="1200329"/>
           </a:xfrm>
           <a:prstGeom prst="rect">
             <a:avLst/>
@@ -6451,6 +6704,15 @@
           </a:bodyPr>
           <a:lstStyle/>
           <a:p>
+            <a:endParaRPr lang="en-US" dirty="0"/>
+          </a:p>
+          <a:p>
+            <a:r>
+              <a:rPr lang="en-US" dirty="0">
+                <a:latin typeface="Arial Nova Cond" panose="020B0506020202020204" pitchFamily="34" charset="0"/>
+              </a:rPr>
+              <a:t>Pearson r : </a:t>
+            </a:r>
             <a:r>
               <a:rPr lang="en-US" dirty="0">
                 <a:solidFill>
@@ -6458,13 +6720,15 @@
                 </a:solidFill>
                 <a:latin typeface="Arial Nova Cond" panose="020B0506020202020204" pitchFamily="34" charset="0"/>
               </a:rPr>
-              <a:t>Pearson r :</a:t>
-            </a:r>
+              <a:t>0.866147 </a:t>
+            </a:r>
+          </a:p>
+          <a:p>
             <a:r>
               <a:rPr lang="en-US" dirty="0">
                 <a:latin typeface="Arial Nova Cond" panose="020B0506020202020204" pitchFamily="34" charset="0"/>
               </a:rPr>
-              <a:t> </a:t>
+              <a:t>P Value : </a:t>
             </a:r>
             <a:r>
               <a:rPr lang="en-US" dirty="0">
@@ -6473,47 +6737,21 @@
                 </a:solidFill>
                 <a:latin typeface="Arial Nova Cond" panose="020B0506020202020204" pitchFamily="34" charset="0"/>
               </a:rPr>
-              <a:t>-0.465546108</a:t>
-            </a:r>
-          </a:p>
-          <a:p>
-            <a:r>
-              <a:rPr lang="en-US" dirty="0">
-                <a:solidFill>
-                  <a:srgbClr val="000000"/>
-                </a:solidFill>
-                <a:latin typeface="Arial Nova Cond" panose="020B0506020202020204" pitchFamily="34" charset="0"/>
-              </a:rPr>
-              <a:t>P Value :   </a:t>
-            </a:r>
-            <a:r>
-              <a:rPr lang="en-US" dirty="0">
-                <a:latin typeface="Arial Nova Cond" panose="020B0506020202020204" pitchFamily="34" charset="0"/>
-              </a:rPr>
-              <a:t> </a:t>
-            </a:r>
-            <a:r>
-              <a:rPr lang="en-US" dirty="0">
-                <a:solidFill>
-                  <a:srgbClr val="000000"/>
-                </a:solidFill>
-                <a:latin typeface="Arial Nova Cond" panose="020B0506020202020204" pitchFamily="34" charset="0"/>
-              </a:rPr>
-              <a:t>1.86E-08</a:t>
-            </a:r>
-            <a:r>
-              <a:rPr lang="en-US" dirty="0">
-                <a:latin typeface="Arial Nova Cond" panose="020B0506020202020204" pitchFamily="34" charset="0"/>
-              </a:rPr>
-              <a:t> </a:t>
-            </a:r>
+              <a:t>2.26E-40</a:t>
+            </a:r>
+            <a:endParaRPr lang="en-US" dirty="0">
+              <a:latin typeface="Arial Nova Cond" panose="020B0506020202020204" pitchFamily="34" charset="0"/>
+            </a:endParaRPr>
+          </a:p>
+          <a:p>
+            <a:endParaRPr lang="en-US" dirty="0"/>
           </a:p>
         </p:txBody>
       </p:sp>
     </p:spTree>
     <p:extLst>
       <p:ext uri="{BB962C8B-B14F-4D97-AF65-F5344CB8AC3E}">
-        <p14:creationId xmlns:p14="http://schemas.microsoft.com/office/powerpoint/2010/main" val="3323913835"/>
+        <p14:creationId xmlns:p14="http://schemas.microsoft.com/office/powerpoint/2010/main" val="2905456080"/>
       </p:ext>
     </p:extLst>
   </p:cSld>
@@ -6542,158 +6780,10 @@
       </p:grpSpPr>
       <p:pic>
         <p:nvPicPr>
-          <p:cNvPr id="7" name="Picture 6">
-            <a:extLst>
-              <a:ext uri="{FF2B5EF4-FFF2-40B4-BE49-F238E27FC236}">
-                <a16:creationId xmlns:a16="http://schemas.microsoft.com/office/drawing/2014/main" xmlns="" id="{58C2FCEF-92D6-493C-AB66-66529B49971E}"/>
-              </a:ext>
-            </a:extLst>
-          </p:cNvPr>
-          <p:cNvPicPr>
-            <a:picLocks noChangeAspect="1"/>
-          </p:cNvPicPr>
-          <p:nvPr/>
-        </p:nvPicPr>
-        <p:blipFill>
-          <a:blip r:embed="rId2">
-            <a:extLst>
-              <a:ext uri="{28A0092B-C50C-407E-A947-70E740481C1C}">
-                <a14:useLocalDpi xmlns:a14="http://schemas.microsoft.com/office/drawing/2010/main" val="0"/>
-              </a:ext>
-            </a:extLst>
-          </a:blip>
-          <a:stretch>
-            <a:fillRect/>
-          </a:stretch>
-        </p:blipFill>
-        <p:spPr>
-          <a:xfrm>
-            <a:off x="465151" y="95250"/>
-            <a:ext cx="8642350" cy="6667500"/>
-          </a:xfrm>
-          <a:prstGeom prst="rect">
-            <a:avLst/>
-          </a:prstGeom>
-        </p:spPr>
-      </p:pic>
-      <p:sp>
-        <p:nvSpPr>
-          <p:cNvPr id="9" name="TextBox 8">
-            <a:extLst>
-              <a:ext uri="{FF2B5EF4-FFF2-40B4-BE49-F238E27FC236}">
-                <a16:creationId xmlns:a16="http://schemas.microsoft.com/office/drawing/2014/main" xmlns="" id="{12BFC674-039B-4EF1-BCB8-ECD29BCA7808}"/>
-              </a:ext>
-            </a:extLst>
-          </p:cNvPr>
-          <p:cNvSpPr txBox="1"/>
-          <p:nvPr/>
-        </p:nvSpPr>
-        <p:spPr>
-          <a:xfrm>
-            <a:off x="8296081" y="3105835"/>
-            <a:ext cx="3058381" cy="1200329"/>
-          </a:xfrm>
-          <a:prstGeom prst="rect">
-            <a:avLst/>
-          </a:prstGeom>
-          <a:noFill/>
-        </p:spPr>
-        <p:txBody>
-          <a:bodyPr wrap="square" rtlCol="0">
-            <a:spAutoFit/>
-          </a:bodyPr>
-          <a:lstStyle/>
-          <a:p>
-            <a:pPr algn="ctr"/>
-            <a:r>
-              <a:rPr lang="en-US" dirty="0">
-                <a:latin typeface="Arial Nova Cond" panose="020B0506020202020204" pitchFamily="34" charset="0"/>
-              </a:rPr>
-              <a:t>The median household income in North Bethesda, MD is nearly 2x the US average. ($103,000)</a:t>
-            </a:r>
-          </a:p>
-        </p:txBody>
-      </p:sp>
-      <p:sp>
-        <p:nvSpPr>
-          <p:cNvPr id="10" name="Rectangle 9">
-            <a:extLst>
-              <a:ext uri="{FF2B5EF4-FFF2-40B4-BE49-F238E27FC236}">
-                <a16:creationId xmlns:a16="http://schemas.microsoft.com/office/drawing/2014/main" xmlns="" id="{95500E2A-0039-4AA0-B966-50A1C217241D}"/>
-              </a:ext>
-            </a:extLst>
-          </p:cNvPr>
-          <p:cNvSpPr/>
-          <p:nvPr/>
-        </p:nvSpPr>
-        <p:spPr>
-          <a:xfrm>
-            <a:off x="8296081" y="5841083"/>
-            <a:ext cx="6096000" cy="646331"/>
-          </a:xfrm>
-          <a:prstGeom prst="rect">
-            <a:avLst/>
-          </a:prstGeom>
-        </p:spPr>
-        <p:txBody>
-          <a:bodyPr>
-            <a:spAutoFit/>
-          </a:bodyPr>
-          <a:lstStyle/>
-          <a:p>
-            <a:r>
-              <a:rPr lang="en-US" dirty="0">
-                <a:latin typeface="Arial Nova Cond" panose="020B0506020202020204" pitchFamily="34" charset="0"/>
-              </a:rPr>
-              <a:t>Pearson r : 0</a:t>
-            </a:r>
-          </a:p>
-          <a:p>
-            <a:r>
-              <a:rPr lang="en-US" dirty="0">
-                <a:latin typeface="Arial Nova Cond" panose="020B0506020202020204" pitchFamily="34" charset="0"/>
-              </a:rPr>
-              <a:t>P Value :    1 </a:t>
-            </a:r>
-          </a:p>
-        </p:txBody>
-      </p:sp>
-    </p:spTree>
-    <p:extLst>
-      <p:ext uri="{BB962C8B-B14F-4D97-AF65-F5344CB8AC3E}">
-        <p14:creationId xmlns:p14="http://schemas.microsoft.com/office/powerpoint/2010/main" val="3323950502"/>
-      </p:ext>
-    </p:extLst>
-  </p:cSld>
-  <p:clrMapOvr>
-    <a:masterClrMapping/>
-  </p:clrMapOvr>
-</p:sld>
-</file>
-
-<file path=ppt/slides/slide9.xml><?xml version="1.0" encoding="utf-8"?>
-<p:sld xmlns:a="http://schemas.openxmlformats.org/drawingml/2006/main" xmlns:r="http://schemas.openxmlformats.org/officeDocument/2006/relationships" xmlns:p="http://schemas.openxmlformats.org/presentationml/2006/main">
-  <p:cSld>
-    <p:spTree>
-      <p:nvGrpSpPr>
-        <p:cNvPr id="1" name=""/>
-        <p:cNvGrpSpPr/>
-        <p:nvPr/>
-      </p:nvGrpSpPr>
-      <p:grpSpPr>
-        <a:xfrm>
-          <a:off x="0" y="0"/>
-          <a:ext cx="0" cy="0"/>
-          <a:chOff x="0" y="0"/>
-          <a:chExt cx="0" cy="0"/>
-        </a:xfrm>
-      </p:grpSpPr>
-      <p:pic>
-        <p:nvPicPr>
           <p:cNvPr id="5" name="Picture 4">
             <a:extLst>
               <a:ext uri="{FF2B5EF4-FFF2-40B4-BE49-F238E27FC236}">
-                <a16:creationId xmlns:a16="http://schemas.microsoft.com/office/drawing/2014/main" xmlns="" id="{83528629-1DCE-4A3B-A590-14D834D1DECB}"/>
+                <a16:creationId xmlns:a16="http://schemas.microsoft.com/office/drawing/2014/main" id="{83528629-1DCE-4A3B-A590-14D834D1DECB}"/>
               </a:ext>
             </a:extLst>
           </p:cNvPr>
@@ -6729,7 +6819,7 @@
           <p:cNvPr id="6" name="Rectangle 5">
             <a:extLst>
               <a:ext uri="{FF2B5EF4-FFF2-40B4-BE49-F238E27FC236}">
-                <a16:creationId xmlns:a16="http://schemas.microsoft.com/office/drawing/2014/main" xmlns="" id="{CF9FA9FC-F7A7-4200-ACDA-015DA238B64D}"/>
+                <a16:creationId xmlns:a16="http://schemas.microsoft.com/office/drawing/2014/main" id="{CF9FA9FC-F7A7-4200-ACDA-015DA238B64D}"/>
               </a:ext>
             </a:extLst>
           </p:cNvPr>
@@ -6803,7 +6893,7 @@
           <p:cNvPr id="7" name="Rectangle 6">
             <a:extLst>
               <a:ext uri="{FF2B5EF4-FFF2-40B4-BE49-F238E27FC236}">
-                <a16:creationId xmlns:a16="http://schemas.microsoft.com/office/drawing/2014/main" xmlns="" id="{93AC7A75-5B10-4760-9104-251B4578E985}"/>
+                <a16:creationId xmlns:a16="http://schemas.microsoft.com/office/drawing/2014/main" id="{93AC7A75-5B10-4760-9104-251B4578E985}"/>
               </a:ext>
             </a:extLst>
           </p:cNvPr>
@@ -6856,7 +6946,178 @@
     </p:spTree>
     <p:extLst>
       <p:ext uri="{BB962C8B-B14F-4D97-AF65-F5344CB8AC3E}">
-        <p14:creationId xmlns:p14="http://schemas.microsoft.com/office/powerpoint/2010/main" val="2015161535"/>
+        <p14:creationId xmlns:p14="http://schemas.microsoft.com/office/powerpoint/2010/main" val="4165875786"/>
+      </p:ext>
+    </p:extLst>
+  </p:cSld>
+  <p:clrMapOvr>
+    <a:masterClrMapping/>
+  </p:clrMapOvr>
+</p:sld>
+</file>
+
+<file path=ppt/slides/slide9.xml><?xml version="1.0" encoding="utf-8"?>
+<p:sld xmlns:a="http://schemas.openxmlformats.org/drawingml/2006/main" xmlns:r="http://schemas.openxmlformats.org/officeDocument/2006/relationships" xmlns:p="http://schemas.openxmlformats.org/presentationml/2006/main">
+  <p:cSld>
+    <p:spTree>
+      <p:nvGrpSpPr>
+        <p:cNvPr id="1" name=""/>
+        <p:cNvGrpSpPr/>
+        <p:nvPr/>
+      </p:nvGrpSpPr>
+      <p:grpSpPr>
+        <a:xfrm>
+          <a:off x="0" y="0"/>
+          <a:ext cx="0" cy="0"/>
+          <a:chOff x="0" y="0"/>
+          <a:chExt cx="0" cy="0"/>
+        </a:xfrm>
+      </p:grpSpPr>
+      <p:pic>
+        <p:nvPicPr>
+          <p:cNvPr id="7" name="Picture 6" descr="A close up of a map&#10;&#10;Description automatically generated">
+            <a:extLst>
+              <a:ext uri="{FF2B5EF4-FFF2-40B4-BE49-F238E27FC236}">
+                <a16:creationId xmlns:a16="http://schemas.microsoft.com/office/drawing/2014/main" id="{C189A54F-F958-4DBA-BFAB-D9C7FD13B62E}"/>
+              </a:ext>
+            </a:extLst>
+          </p:cNvPr>
+          <p:cNvPicPr>
+            <a:picLocks noChangeAspect="1"/>
+          </p:cNvPicPr>
+          <p:nvPr/>
+        </p:nvPicPr>
+        <p:blipFill>
+          <a:blip r:embed="rId2">
+            <a:extLst>
+              <a:ext uri="{28A0092B-C50C-407E-A947-70E740481C1C}">
+                <a14:useLocalDpi xmlns:a14="http://schemas.microsoft.com/office/drawing/2010/main" val="0"/>
+              </a:ext>
+            </a:extLst>
+          </a:blip>
+          <a:stretch>
+            <a:fillRect/>
+          </a:stretch>
+        </p:blipFill>
+        <p:spPr>
+          <a:xfrm>
+            <a:off x="497286" y="0"/>
+            <a:ext cx="8988619" cy="6811713"/>
+          </a:xfrm>
+          <a:prstGeom prst="rect">
+            <a:avLst/>
+          </a:prstGeom>
+        </p:spPr>
+      </p:pic>
+      <p:sp>
+        <p:nvSpPr>
+          <p:cNvPr id="8" name="Rectangle 7">
+            <a:extLst>
+              <a:ext uri="{FF2B5EF4-FFF2-40B4-BE49-F238E27FC236}">
+                <a16:creationId xmlns:a16="http://schemas.microsoft.com/office/drawing/2014/main" id="{D3BF7C90-5346-454B-BF96-9A141B369BB5}"/>
+              </a:ext>
+            </a:extLst>
+          </p:cNvPr>
+          <p:cNvSpPr/>
+          <p:nvPr/>
+        </p:nvSpPr>
+        <p:spPr>
+          <a:xfrm>
+            <a:off x="8749086" y="5623070"/>
+            <a:ext cx="6096000" cy="923330"/>
+          </a:xfrm>
+          <a:prstGeom prst="rect">
+            <a:avLst/>
+          </a:prstGeom>
+        </p:spPr>
+        <p:txBody>
+          <a:bodyPr>
+            <a:spAutoFit/>
+          </a:bodyPr>
+          <a:lstStyle/>
+          <a:p>
+            <a:endParaRPr lang="en-US" dirty="0"/>
+          </a:p>
+          <a:p>
+            <a:r>
+              <a:rPr lang="en-US" dirty="0">
+                <a:latin typeface="Arial Nova Cond" panose="020B0506020202020204" pitchFamily="34" charset="0"/>
+              </a:rPr>
+              <a:t>Pearson r : 0.723121846 </a:t>
+            </a:r>
+            <a:r>
+              <a:rPr lang="en-US" dirty="0">
+                <a:solidFill>
+                  <a:srgbClr val="000000"/>
+                </a:solidFill>
+                <a:latin typeface="Arial Nova Cond" panose="020B0506020202020204" pitchFamily="34" charset="0"/>
+              </a:rPr>
+              <a:t> </a:t>
+            </a:r>
+          </a:p>
+          <a:p>
+            <a:r>
+              <a:rPr lang="en-US" dirty="0">
+                <a:latin typeface="Arial Nova Cond" panose="020B0506020202020204" pitchFamily="34" charset="0"/>
+              </a:rPr>
+              <a:t>P Value : 1.23E-22 </a:t>
+            </a:r>
+          </a:p>
+        </p:txBody>
+      </p:sp>
+      <p:sp>
+        <p:nvSpPr>
+          <p:cNvPr id="11" name="TextBox 10">
+            <a:extLst>
+              <a:ext uri="{FF2B5EF4-FFF2-40B4-BE49-F238E27FC236}">
+                <a16:creationId xmlns:a16="http://schemas.microsoft.com/office/drawing/2014/main" id="{1C549C03-3865-415D-8E2A-F8AA0686C63C}"/>
+              </a:ext>
+            </a:extLst>
+          </p:cNvPr>
+          <p:cNvSpPr txBox="1"/>
+          <p:nvPr/>
+        </p:nvSpPr>
+        <p:spPr>
+          <a:xfrm>
+            <a:off x="8749086" y="3164619"/>
+            <a:ext cx="2638178" cy="923330"/>
+          </a:xfrm>
+          <a:prstGeom prst="rect">
+            <a:avLst/>
+          </a:prstGeom>
+          <a:noFill/>
+        </p:spPr>
+        <p:txBody>
+          <a:bodyPr wrap="square" rtlCol="0">
+            <a:spAutoFit/>
+          </a:bodyPr>
+          <a:lstStyle/>
+          <a:p>
+            <a:r>
+              <a:rPr lang="en-US" dirty="0">
+                <a:latin typeface="Arial Nova Cond" panose="020B0506020202020204" pitchFamily="34" charset="0"/>
+              </a:rPr>
+              <a:t>Exxon Mobile is the 9</a:t>
+            </a:r>
+            <a:r>
+              <a:rPr lang="en-US" baseline="30000" dirty="0">
+                <a:latin typeface="Arial Nova Cond" panose="020B0506020202020204" pitchFamily="34" charset="0"/>
+              </a:rPr>
+              <a:t>th</a:t>
+            </a:r>
+            <a:r>
+              <a:rPr lang="en-US" dirty="0">
+                <a:latin typeface="Arial Nova Cond" panose="020B0506020202020204" pitchFamily="34" charset="0"/>
+              </a:rPr>
+              <a:t> largest company by revenue</a:t>
+            </a:r>
+          </a:p>
+        </p:txBody>
+      </p:sp>
+    </p:spTree>
+    <p:extLst>
+      <p:ext uri="{BB962C8B-B14F-4D97-AF65-F5344CB8AC3E}">
+        <p14:creationId xmlns:p14="http://schemas.microsoft.com/office/powerpoint/2010/main" val="1963002674"/>
       </p:ext>
     </p:extLst>
   </p:cSld>
